--- a/Slides/Lecture 8-1.pptx
+++ b/Slides/Lecture 8-1.pptx
@@ -6,7 +6,7 @@
     <p:sldMasterId id="2147483684" r:id="rId2"/>
   </p:sldMasterIdLst>
   <p:notesMasterIdLst>
-    <p:notesMasterId r:id="rId39"/>
+    <p:notesMasterId r:id="rId41"/>
   </p:notesMasterIdLst>
   <p:sldIdLst>
     <p:sldId id="842" r:id="rId3"/>
@@ -41,10 +41,12 @@
     <p:sldId id="1625" r:id="rId32"/>
     <p:sldId id="1636" r:id="rId33"/>
     <p:sldId id="1627" r:id="rId34"/>
-    <p:sldId id="1693" r:id="rId35"/>
-    <p:sldId id="1692" r:id="rId36"/>
-    <p:sldId id="1635" r:id="rId37"/>
-    <p:sldId id="1524" r:id="rId38"/>
+    <p:sldId id="1701" r:id="rId35"/>
+    <p:sldId id="1693" r:id="rId36"/>
+    <p:sldId id="1692" r:id="rId37"/>
+    <p:sldId id="1702" r:id="rId38"/>
+    <p:sldId id="1635" r:id="rId39"/>
+    <p:sldId id="1524" r:id="rId40"/>
   </p:sldIdLst>
   <p:sldSz cx="9144000" cy="5143500" type="screen16x9"/>
   <p:notesSz cx="6858000" cy="9144000"/>
@@ -245,7 +247,7 @@
             <a:fld id="{A6781D3C-003D-4837-A496-9A32CDA8003A}" type="datetimeFigureOut">
               <a:rPr lang="en-US" smtClean="0"/>
               <a:pPr/>
-              <a:t>2/5/19</a:t>
+              <a:t>2/7/2019</a:t>
             </a:fld>
             <a:endParaRPr lang="en-US"/>
           </a:p>
@@ -309,37 +311,38 @@
           <a:p>
             <a:pPr lvl="0"/>
             <a:r>
-              <a:rPr lang="en-US"/>
+              <a:rPr lang="en-US" smtClean="0"/>
               <a:t>Click to edit Master text styles</a:t>
             </a:r>
           </a:p>
           <a:p>
             <a:pPr lvl="1"/>
             <a:r>
-              <a:rPr lang="en-US"/>
+              <a:rPr lang="en-US" smtClean="0"/>
               <a:t>Second level</a:t>
             </a:r>
           </a:p>
           <a:p>
             <a:pPr lvl="2"/>
             <a:r>
-              <a:rPr lang="en-US"/>
+              <a:rPr lang="en-US" smtClean="0"/>
               <a:t>Third level</a:t>
             </a:r>
           </a:p>
           <a:p>
             <a:pPr lvl="3"/>
             <a:r>
-              <a:rPr lang="en-US"/>
+              <a:rPr lang="en-US" smtClean="0"/>
               <a:t>Fourth level</a:t>
             </a:r>
           </a:p>
           <a:p>
             <a:pPr lvl="4"/>
             <a:r>
-              <a:rPr lang="en-US"/>
+              <a:rPr lang="en-US" smtClean="0"/>
               <a:t>Fifth level</a:t>
             </a:r>
+            <a:endParaRPr lang="en-US"/>
           </a:p>
         </p:txBody>
       </p:sp>
@@ -658,111 +661,17 @@
           <a:lstStyle/>
           <a:p>
             <a:r>
-              <a:rPr lang="en-US" dirty="0"/>
-              <a:t>Order doesn’t matter in bag-of-words representation, although phrase might matter.</a:t>
-            </a:r>
-          </a:p>
-          <a:p>
-            <a:endParaRPr lang="en-US" dirty="0"/>
-          </a:p>
-          <a:p>
-            <a:endParaRPr lang="en-US" dirty="0"/>
-          </a:p>
-        </p:txBody>
-      </p:sp>
-      <p:sp>
-        <p:nvSpPr>
-          <p:cNvPr id="4" name="Slide Number Placeholder 3"/>
-          <p:cNvSpPr>
-            <a:spLocks noGrp="1"/>
-          </p:cNvSpPr>
-          <p:nvPr>
-            <p:ph type="sldNum" sz="quarter" idx="5"/>
-          </p:nvPr>
-        </p:nvSpPr>
-        <p:spPr/>
-        <p:txBody>
-          <a:bodyPr/>
-          <a:lstStyle/>
-          <a:p>
-            <a:fld id="{6529D11D-5857-48CF-ABB8-89B8AC9FD03C}" type="slidenum">
-              <a:rPr lang="en-US" smtClean="0"/>
-              <a:pPr/>
-              <a:t>10</a:t>
-            </a:fld>
-            <a:endParaRPr lang="en-US"/>
-          </a:p>
-        </p:txBody>
-      </p:sp>
-    </p:spTree>
-    <p:extLst>
-      <p:ext uri="{BB962C8B-B14F-4D97-AF65-F5344CB8AC3E}">
-        <p14:creationId xmlns:p14="http://schemas.microsoft.com/office/powerpoint/2010/main" val="4109515040"/>
-      </p:ext>
-    </p:extLst>
-  </p:cSld>
-  <p:clrMapOvr>
-    <a:masterClrMapping/>
-  </p:clrMapOvr>
-</p:notes>
-</file>
-
-<file path=ppt/notesSlides/notesSlide3.xml><?xml version="1.0" encoding="utf-8"?>
-<p:notes xmlns:a="http://schemas.openxmlformats.org/drawingml/2006/main" xmlns:r="http://schemas.openxmlformats.org/officeDocument/2006/relationships" xmlns:p="http://schemas.openxmlformats.org/presentationml/2006/main">
-  <p:cSld>
-    <p:spTree>
-      <p:nvGrpSpPr>
-        <p:cNvPr id="1" name=""/>
-        <p:cNvGrpSpPr/>
-        <p:nvPr/>
-      </p:nvGrpSpPr>
-      <p:grpSpPr>
-        <a:xfrm>
-          <a:off x="0" y="0"/>
-          <a:ext cx="0" cy="0"/>
-          <a:chOff x="0" y="0"/>
-          <a:chExt cx="0" cy="0"/>
-        </a:xfrm>
-      </p:grpSpPr>
-      <p:sp>
-        <p:nvSpPr>
-          <p:cNvPr id="2" name="Slide Image Placeholder 1"/>
-          <p:cNvSpPr>
-            <a:spLocks noGrp="1" noRot="1" noChangeAspect="1"/>
-          </p:cNvSpPr>
-          <p:nvPr>
-            <p:ph type="sldImg"/>
-          </p:nvPr>
-        </p:nvSpPr>
-        <p:spPr/>
-      </p:sp>
-      <p:sp>
-        <p:nvSpPr>
-          <p:cNvPr id="3" name="Notes Placeholder 2"/>
-          <p:cNvSpPr>
-            <a:spLocks noGrp="1"/>
-          </p:cNvSpPr>
-          <p:nvPr>
-            <p:ph type="body" idx="1"/>
-          </p:nvPr>
-        </p:nvSpPr>
-        <p:spPr/>
-        <p:txBody>
-          <a:bodyPr/>
-          <a:lstStyle/>
-          <a:p>
-            <a:r>
-              <a:rPr lang="en-US" dirty="0"/>
+              <a:rPr lang="en-US" dirty="0" smtClean="0"/>
               <a:t>Open source spam filter</a:t>
             </a:r>
           </a:p>
           <a:p>
             <a:r>
-              <a:rPr lang="en-US" dirty="0"/>
+              <a:rPr lang="en-US" dirty="0" smtClean="0"/>
               <a:t>v.3.3.x tests are old, but the</a:t>
             </a:r>
             <a:r>
-              <a:rPr lang="en-US" baseline="0" dirty="0"/>
+              <a:rPr lang="en-US" baseline="0" dirty="0" smtClean="0"/>
               <a:t> new tests change every night</a:t>
             </a:r>
             <a:endParaRPr lang="en-US" dirty="0"/>
@@ -805,94 +714,6 @@
     <p:extLst>
       <p:ext uri="{BB962C8B-B14F-4D97-AF65-F5344CB8AC3E}">
         <p14:creationId xmlns:p14="http://schemas.microsoft.com/office/powerpoint/2010/main" val="1587978824"/>
-      </p:ext>
-    </p:extLst>
-  </p:cSld>
-  <p:clrMapOvr>
-    <a:masterClrMapping/>
-  </p:clrMapOvr>
-</p:notes>
-</file>
-
-<file path=ppt/notesSlides/notesSlide4.xml><?xml version="1.0" encoding="utf-8"?>
-<p:notes xmlns:a="http://schemas.openxmlformats.org/drawingml/2006/main" xmlns:r="http://schemas.openxmlformats.org/officeDocument/2006/relationships" xmlns:p="http://schemas.openxmlformats.org/presentationml/2006/main">
-  <p:cSld>
-    <p:spTree>
-      <p:nvGrpSpPr>
-        <p:cNvPr id="1" name=""/>
-        <p:cNvGrpSpPr/>
-        <p:nvPr/>
-      </p:nvGrpSpPr>
-      <p:grpSpPr>
-        <a:xfrm>
-          <a:off x="0" y="0"/>
-          <a:ext cx="0" cy="0"/>
-          <a:chOff x="0" y="0"/>
-          <a:chExt cx="0" cy="0"/>
-        </a:xfrm>
-      </p:grpSpPr>
-      <p:sp>
-        <p:nvSpPr>
-          <p:cNvPr id="2" name="Slide Image Placeholder 1"/>
-          <p:cNvSpPr>
-            <a:spLocks noGrp="1" noRot="1" noChangeAspect="1"/>
-          </p:cNvSpPr>
-          <p:nvPr>
-            <p:ph type="sldImg"/>
-          </p:nvPr>
-        </p:nvSpPr>
-        <p:spPr/>
-      </p:sp>
-      <p:sp>
-        <p:nvSpPr>
-          <p:cNvPr id="3" name="Notes Placeholder 2"/>
-          <p:cNvSpPr>
-            <a:spLocks noGrp="1"/>
-          </p:cNvSpPr>
-          <p:nvPr>
-            <p:ph type="body" idx="1"/>
-          </p:nvPr>
-        </p:nvSpPr>
-        <p:spPr/>
-        <p:txBody>
-          <a:bodyPr/>
-          <a:lstStyle/>
-          <a:p>
-            <a:r>
-              <a:rPr lang="en-US" dirty="0"/>
-              <a:t>w is the normal vector of the decision boundary.</a:t>
-            </a:r>
-          </a:p>
-        </p:txBody>
-      </p:sp>
-      <p:sp>
-        <p:nvSpPr>
-          <p:cNvPr id="4" name="Slide Number Placeholder 3"/>
-          <p:cNvSpPr>
-            <a:spLocks noGrp="1"/>
-          </p:cNvSpPr>
-          <p:nvPr>
-            <p:ph type="sldNum" sz="quarter" idx="5"/>
-          </p:nvPr>
-        </p:nvSpPr>
-        <p:spPr/>
-        <p:txBody>
-          <a:bodyPr/>
-          <a:lstStyle/>
-          <a:p>
-            <a:fld id="{6529D11D-5857-48CF-ABB8-89B8AC9FD03C}" type="slidenum">
-              <a:rPr lang="en-US" smtClean="0"/>
-              <a:pPr/>
-              <a:t>28</a:t>
-            </a:fld>
-            <a:endParaRPr lang="en-US"/>
-          </a:p>
-        </p:txBody>
-      </p:sp>
-    </p:spTree>
-    <p:extLst>
-      <p:ext uri="{BB962C8B-B14F-4D97-AF65-F5344CB8AC3E}">
-        <p14:creationId xmlns:p14="http://schemas.microsoft.com/office/powerpoint/2010/main" val="2981532905"/>
       </p:ext>
     </p:extLst>
   </p:cSld>
@@ -967,9 +788,10 @@
           </a:lstStyle>
           <a:p>
             <a:r>
-              <a:rPr lang="en-US" dirty="0"/>
+              <a:rPr lang="en-US" dirty="0" smtClean="0"/>
               <a:t>Click to edit Master title style</a:t>
             </a:r>
+            <a:endParaRPr lang="en-US" dirty="0"/>
           </a:p>
         </p:txBody>
       </p:sp>
@@ -1094,9 +916,10 @@
           </a:lstStyle>
           <a:p>
             <a:r>
-              <a:rPr lang="en-US" dirty="0"/>
+              <a:rPr lang="en-US" dirty="0" smtClean="0"/>
               <a:t>Click to edit Master subtitle style</a:t>
             </a:r>
+            <a:endParaRPr lang="en-US" dirty="0"/>
           </a:p>
         </p:txBody>
       </p:sp>
@@ -1151,9 +974,10 @@
           <a:lstStyle/>
           <a:p>
             <a:r>
-              <a:rPr lang="en-US"/>
+              <a:rPr lang="en-US" smtClean="0"/>
               <a:t>Click to edit Master title style</a:t>
             </a:r>
+            <a:endParaRPr lang="en-US"/>
           </a:p>
         </p:txBody>
       </p:sp>
@@ -1215,9 +1039,10 @@
           </a:lstStyle>
           <a:p>
             <a:r>
-              <a:rPr lang="en-US"/>
+              <a:rPr lang="en-US" smtClean="0"/>
               <a:t>Click to edit Master subtitle style</a:t>
             </a:r>
+            <a:endParaRPr lang="en-US"/>
           </a:p>
         </p:txBody>
       </p:sp>
@@ -1323,6 +1148,13 @@
   <p:clrMapOvr>
     <a:masterClrMapping/>
   </p:clrMapOvr>
+  <p:timing>
+    <p:tnLst>
+      <p:par>
+        <p:cTn id="1" dur="indefinite" restart="never" nodeType="tmRoot"/>
+      </p:par>
+    </p:tnLst>
+  </p:timing>
 </p:sldLayout>
 </file>
 
@@ -1366,9 +1198,10 @@
           </a:lstStyle>
           <a:p>
             <a:r>
-              <a:rPr lang="en-US" dirty="0"/>
+              <a:rPr lang="en-US" dirty="0" smtClean="0"/>
               <a:t>Click to edit Master title style</a:t>
             </a:r>
+            <a:endParaRPr lang="en-US" dirty="0"/>
           </a:p>
         </p:txBody>
       </p:sp>
@@ -1420,37 +1253,38 @@
           <a:p>
             <a:pPr lvl="0"/>
             <a:r>
-              <a:rPr lang="en-US" dirty="0"/>
+              <a:rPr lang="en-US" dirty="0" smtClean="0"/>
               <a:t>Click to edit Master text styles</a:t>
             </a:r>
           </a:p>
           <a:p>
             <a:pPr lvl="1"/>
             <a:r>
-              <a:rPr lang="en-US" dirty="0"/>
+              <a:rPr lang="en-US" dirty="0" smtClean="0"/>
               <a:t>Second level</a:t>
             </a:r>
           </a:p>
           <a:p>
             <a:pPr lvl="2"/>
             <a:r>
-              <a:rPr lang="en-US" dirty="0"/>
+              <a:rPr lang="en-US" dirty="0" smtClean="0"/>
               <a:t>Third level</a:t>
             </a:r>
           </a:p>
           <a:p>
             <a:pPr lvl="3"/>
             <a:r>
-              <a:rPr lang="en-US" dirty="0"/>
+              <a:rPr lang="en-US" dirty="0" smtClean="0"/>
               <a:t>Fourth level</a:t>
             </a:r>
           </a:p>
           <a:p>
             <a:pPr lvl="4"/>
             <a:r>
-              <a:rPr lang="en-US" dirty="0"/>
+              <a:rPr lang="en-US" dirty="0" smtClean="0"/>
               <a:t>Fifth level</a:t>
             </a:r>
+            <a:endParaRPr lang="en-US" dirty="0"/>
           </a:p>
         </p:txBody>
       </p:sp>
@@ -1723,6 +1557,13 @@
   <p:clrMapOvr>
     <a:masterClrMapping/>
   </p:clrMapOvr>
+  <p:timing>
+    <p:tnLst>
+      <p:par>
+        <p:cTn id="1" dur="indefinite" restart="never" nodeType="tmRoot"/>
+      </p:par>
+    </p:tnLst>
+  </p:timing>
 </p:sldLayout>
 </file>
 
@@ -1784,9 +1625,10 @@
           </a:lstStyle>
           <a:p>
             <a:r>
-              <a:rPr lang="en-US" dirty="0"/>
+              <a:rPr lang="en-US" dirty="0" smtClean="0"/>
               <a:t>Click to edit Master title style</a:t>
             </a:r>
+            <a:endParaRPr lang="en-US" dirty="0"/>
           </a:p>
         </p:txBody>
       </p:sp>
@@ -1812,35 +1654,35 @@
           <a:p>
             <a:pPr lvl="0"/>
             <a:r>
-              <a:rPr lang="en-US"/>
+              <a:rPr lang="en-US" smtClean="0"/>
               <a:t>Click to edit Master text styles</a:t>
             </a:r>
           </a:p>
           <a:p>
             <a:pPr lvl="1"/>
             <a:r>
-              <a:rPr lang="en-US"/>
+              <a:rPr lang="en-US" smtClean="0"/>
               <a:t>Second level</a:t>
             </a:r>
           </a:p>
           <a:p>
             <a:pPr lvl="2"/>
             <a:r>
-              <a:rPr lang="en-US"/>
+              <a:rPr lang="en-US" smtClean="0"/>
               <a:t>Third level</a:t>
             </a:r>
           </a:p>
           <a:p>
             <a:pPr lvl="3"/>
             <a:r>
-              <a:rPr lang="en-US"/>
+              <a:rPr lang="en-US" smtClean="0"/>
               <a:t>Fourth level</a:t>
             </a:r>
           </a:p>
           <a:p>
             <a:pPr lvl="4"/>
             <a:r>
-              <a:rPr lang="en-US"/>
+              <a:rPr lang="en-US" smtClean="0"/>
               <a:t>Fifth level</a:t>
             </a:r>
             <a:endParaRPr lang="en-US" dirty="0"/>
@@ -1909,7 +1751,7 @@
           </a:lstStyle>
           <a:p>
             <a:r>
-              <a:rPr lang="en-US"/>
+              <a:rPr lang="en-US" smtClean="0"/>
               <a:t>Click to edit Master title style</a:t>
             </a:r>
             <a:endParaRPr lang="en-US" dirty="0"/>
@@ -2029,7 +1871,7 @@
           <a:p>
             <a:pPr lvl="0"/>
             <a:r>
-              <a:rPr lang="en-US"/>
+              <a:rPr lang="en-US" smtClean="0"/>
               <a:t>Click to edit Master text styles</a:t>
             </a:r>
           </a:p>
@@ -2099,7 +1941,7 @@
           </a:lstStyle>
           <a:p>
             <a:r>
-              <a:rPr lang="en-US"/>
+              <a:rPr lang="en-US" smtClean="0"/>
               <a:t>Click to edit Master title style</a:t>
             </a:r>
             <a:endParaRPr lang="en-US" dirty="0"/>
@@ -2174,35 +2016,35 @@
           <a:p>
             <a:pPr lvl="0"/>
             <a:r>
-              <a:rPr lang="en-US"/>
+              <a:rPr lang="en-US" smtClean="0"/>
               <a:t>Click to edit Master text styles</a:t>
             </a:r>
           </a:p>
           <a:p>
             <a:pPr lvl="1"/>
             <a:r>
-              <a:rPr lang="en-US"/>
+              <a:rPr lang="en-US" smtClean="0"/>
               <a:t>Second level</a:t>
             </a:r>
           </a:p>
           <a:p>
             <a:pPr lvl="2"/>
             <a:r>
-              <a:rPr lang="en-US"/>
+              <a:rPr lang="en-US" smtClean="0"/>
               <a:t>Third level</a:t>
             </a:r>
           </a:p>
           <a:p>
             <a:pPr lvl="3"/>
             <a:r>
-              <a:rPr lang="en-US"/>
+              <a:rPr lang="en-US" smtClean="0"/>
               <a:t>Fourth level</a:t>
             </a:r>
           </a:p>
           <a:p>
             <a:pPr lvl="4"/>
             <a:r>
-              <a:rPr lang="en-US"/>
+              <a:rPr lang="en-US" smtClean="0"/>
               <a:t>Fifth level</a:t>
             </a:r>
             <a:endParaRPr lang="en-US" dirty="0"/>
@@ -2277,35 +2119,35 @@
           <a:p>
             <a:pPr lvl="0"/>
             <a:r>
-              <a:rPr lang="en-US"/>
+              <a:rPr lang="en-US" smtClean="0"/>
               <a:t>Click to edit Master text styles</a:t>
             </a:r>
           </a:p>
           <a:p>
             <a:pPr lvl="1"/>
             <a:r>
-              <a:rPr lang="en-US"/>
+              <a:rPr lang="en-US" smtClean="0"/>
               <a:t>Second level</a:t>
             </a:r>
           </a:p>
           <a:p>
             <a:pPr lvl="2"/>
             <a:r>
-              <a:rPr lang="en-US"/>
+              <a:rPr lang="en-US" smtClean="0"/>
               <a:t>Third level</a:t>
             </a:r>
           </a:p>
           <a:p>
             <a:pPr lvl="3"/>
             <a:r>
-              <a:rPr lang="en-US"/>
+              <a:rPr lang="en-US" smtClean="0"/>
               <a:t>Fourth level</a:t>
             </a:r>
           </a:p>
           <a:p>
             <a:pPr lvl="4"/>
             <a:r>
-              <a:rPr lang="en-US"/>
+              <a:rPr lang="en-US" smtClean="0"/>
               <a:t>Fifth level</a:t>
             </a:r>
             <a:endParaRPr lang="en-US" dirty="0"/>
@@ -2376,7 +2218,7 @@
           </a:lstStyle>
           <a:p>
             <a:r>
-              <a:rPr lang="en-US"/>
+              <a:rPr lang="en-US" smtClean="0"/>
               <a:t>Click to edit Master title style</a:t>
             </a:r>
             <a:endParaRPr lang="en-US" dirty="0"/>
@@ -2451,7 +2293,7 @@
           <a:p>
             <a:pPr lvl="0"/>
             <a:r>
-              <a:rPr lang="en-US"/>
+              <a:rPr lang="en-US" smtClean="0"/>
               <a:t>Click to edit Master text styles</a:t>
             </a:r>
           </a:p>
@@ -2522,35 +2364,35 @@
           <a:p>
             <a:pPr lvl="0"/>
             <a:r>
-              <a:rPr lang="en-US"/>
+              <a:rPr lang="en-US" smtClean="0"/>
               <a:t>Click to edit Master text styles</a:t>
             </a:r>
           </a:p>
           <a:p>
             <a:pPr lvl="1"/>
             <a:r>
-              <a:rPr lang="en-US"/>
+              <a:rPr lang="en-US" smtClean="0"/>
               <a:t>Second level</a:t>
             </a:r>
           </a:p>
           <a:p>
             <a:pPr lvl="2"/>
             <a:r>
-              <a:rPr lang="en-US"/>
+              <a:rPr lang="en-US" smtClean="0"/>
               <a:t>Third level</a:t>
             </a:r>
           </a:p>
           <a:p>
             <a:pPr lvl="3"/>
             <a:r>
-              <a:rPr lang="en-US"/>
+              <a:rPr lang="en-US" smtClean="0"/>
               <a:t>Fourth level</a:t>
             </a:r>
           </a:p>
           <a:p>
             <a:pPr lvl="4"/>
             <a:r>
-              <a:rPr lang="en-US"/>
+              <a:rPr lang="en-US" smtClean="0"/>
               <a:t>Fifth level</a:t>
             </a:r>
             <a:endParaRPr lang="en-US" dirty="0"/>
@@ -2625,7 +2467,7 @@
           <a:p>
             <a:pPr lvl="0"/>
             <a:r>
-              <a:rPr lang="en-US"/>
+              <a:rPr lang="en-US" smtClean="0"/>
               <a:t>Click to edit Master text styles</a:t>
             </a:r>
           </a:p>
@@ -2696,35 +2538,35 @@
           <a:p>
             <a:pPr lvl="0"/>
             <a:r>
-              <a:rPr lang="en-US"/>
+              <a:rPr lang="en-US" smtClean="0"/>
               <a:t>Click to edit Master text styles</a:t>
             </a:r>
           </a:p>
           <a:p>
             <a:pPr lvl="1"/>
             <a:r>
-              <a:rPr lang="en-US"/>
+              <a:rPr lang="en-US" smtClean="0"/>
               <a:t>Second level</a:t>
             </a:r>
           </a:p>
           <a:p>
             <a:pPr lvl="2"/>
             <a:r>
-              <a:rPr lang="en-US"/>
+              <a:rPr lang="en-US" smtClean="0"/>
               <a:t>Third level</a:t>
             </a:r>
           </a:p>
           <a:p>
             <a:pPr lvl="3"/>
             <a:r>
-              <a:rPr lang="en-US"/>
+              <a:rPr lang="en-US" smtClean="0"/>
               <a:t>Fourth level</a:t>
             </a:r>
           </a:p>
           <a:p>
             <a:pPr lvl="4"/>
             <a:r>
-              <a:rPr lang="en-US"/>
+              <a:rPr lang="en-US" smtClean="0"/>
               <a:t>Fifth level</a:t>
             </a:r>
             <a:endParaRPr lang="en-US" dirty="0"/>
@@ -2795,7 +2637,7 @@
           </a:lstStyle>
           <a:p>
             <a:r>
-              <a:rPr lang="en-US"/>
+              <a:rPr lang="en-US" smtClean="0"/>
               <a:t>Click to edit Master title style</a:t>
             </a:r>
             <a:endParaRPr lang="en-US" dirty="0"/>
@@ -2896,7 +2738,7 @@
           </a:lstStyle>
           <a:p>
             <a:r>
-              <a:rPr lang="en-US"/>
+              <a:rPr lang="en-US" smtClean="0"/>
               <a:t>Click to edit Master title style</a:t>
             </a:r>
             <a:endParaRPr lang="en-US" dirty="0"/>
@@ -2971,35 +2813,35 @@
           <a:p>
             <a:pPr lvl="0"/>
             <a:r>
-              <a:rPr lang="en-US"/>
+              <a:rPr lang="en-US" smtClean="0"/>
               <a:t>Click to edit Master text styles</a:t>
             </a:r>
           </a:p>
           <a:p>
             <a:pPr lvl="1"/>
             <a:r>
-              <a:rPr lang="en-US"/>
+              <a:rPr lang="en-US" smtClean="0"/>
               <a:t>Second level</a:t>
             </a:r>
           </a:p>
           <a:p>
             <a:pPr lvl="2"/>
             <a:r>
-              <a:rPr lang="en-US"/>
+              <a:rPr lang="en-US" smtClean="0"/>
               <a:t>Third level</a:t>
             </a:r>
           </a:p>
           <a:p>
             <a:pPr lvl="3"/>
             <a:r>
-              <a:rPr lang="en-US"/>
+              <a:rPr lang="en-US" smtClean="0"/>
               <a:t>Fourth level</a:t>
             </a:r>
           </a:p>
           <a:p>
             <a:pPr lvl="4"/>
             <a:r>
-              <a:rPr lang="en-US"/>
+              <a:rPr lang="en-US" smtClean="0"/>
               <a:t>Fifth level</a:t>
             </a:r>
             <a:endParaRPr lang="en-US" dirty="0"/>
@@ -3071,7 +2913,7 @@
           <a:p>
             <a:pPr lvl="0"/>
             <a:r>
-              <a:rPr lang="en-US"/>
+              <a:rPr lang="en-US" smtClean="0"/>
               <a:t>Click to edit Master text styles</a:t>
             </a:r>
           </a:p>
@@ -3141,7 +2983,7 @@
           </a:lstStyle>
           <a:p>
             <a:r>
-              <a:rPr lang="en-US"/>
+              <a:rPr lang="en-US" smtClean="0"/>
               <a:t>Click to edit Master title style</a:t>
             </a:r>
             <a:endParaRPr lang="en-US" dirty="0"/>
@@ -3206,9 +3048,10 @@
           </a:lstStyle>
           <a:p>
             <a:r>
-              <a:rPr lang="en-US"/>
+              <a:rPr lang="en-US" smtClean="0"/>
               <a:t>Click icon to add picture</a:t>
             </a:r>
+            <a:endParaRPr lang="en-US"/>
           </a:p>
         </p:txBody>
       </p:sp>
@@ -3277,7 +3120,7 @@
           <a:p>
             <a:pPr lvl="0"/>
             <a:r>
-              <a:rPr lang="en-US"/>
+              <a:rPr lang="en-US" smtClean="0"/>
               <a:t>Click to edit Master text styles</a:t>
             </a:r>
           </a:p>
@@ -3348,35 +3191,35 @@
           <a:p>
             <a:pPr lvl="0"/>
             <a:r>
-              <a:rPr lang="en-US"/>
+              <a:rPr lang="en-US" smtClean="0"/>
               <a:t>Click to edit Master text styles</a:t>
             </a:r>
           </a:p>
           <a:p>
             <a:pPr lvl="1"/>
             <a:r>
-              <a:rPr lang="en-US"/>
+              <a:rPr lang="en-US" smtClean="0"/>
               <a:t>Second level</a:t>
             </a:r>
           </a:p>
           <a:p>
             <a:pPr lvl="2"/>
             <a:r>
-              <a:rPr lang="en-US"/>
+              <a:rPr lang="en-US" smtClean="0"/>
               <a:t>Third level</a:t>
             </a:r>
           </a:p>
           <a:p>
             <a:pPr lvl="3"/>
             <a:r>
-              <a:rPr lang="en-US"/>
+              <a:rPr lang="en-US" smtClean="0"/>
               <a:t>Fourth level</a:t>
             </a:r>
           </a:p>
           <a:p>
             <a:pPr lvl="4"/>
             <a:r>
-              <a:rPr lang="en-US"/>
+              <a:rPr lang="en-US" smtClean="0"/>
               <a:t>Fifth level</a:t>
             </a:r>
             <a:endParaRPr lang="en-US" dirty="0"/>
@@ -3402,6 +3245,13 @@
     <p:sldLayoutId id="2147483656" r:id="rId8"/>
     <p:sldLayoutId id="2147483657" r:id="rId9"/>
   </p:sldLayoutIdLst>
+  <p:timing>
+    <p:tnLst>
+      <p:par>
+        <p:cTn id="1" dur="indefinite" restart="never" nodeType="tmRoot"/>
+      </p:par>
+    </p:tnLst>
+  </p:timing>
   <p:txStyles>
     <p:titleStyle>
       <a:lvl1pPr algn="ctr" defTabSz="457200" rtl="0" eaLnBrk="1" latinLnBrk="0" hangingPunct="1">
@@ -3774,7 +3624,7 @@
           <a:p>
             <a:pPr lvl="0"/>
             <a:r>
-              <a:rPr lang="en-US" dirty="0"/>
+              <a:rPr lang="en-US" dirty="0" smtClean="0"/>
               <a:t>Click to edit Master title style</a:t>
             </a:r>
           </a:p>
@@ -3816,35 +3666,35 @@
           <a:p>
             <a:pPr lvl="0"/>
             <a:r>
-              <a:rPr lang="en-US" dirty="0"/>
+              <a:rPr lang="en-US" dirty="0" smtClean="0"/>
               <a:t>Click to edit Master text styles</a:t>
             </a:r>
           </a:p>
           <a:p>
             <a:pPr lvl="1"/>
             <a:r>
-              <a:rPr lang="en-US" dirty="0"/>
+              <a:rPr lang="en-US" dirty="0" smtClean="0"/>
               <a:t>Second level</a:t>
             </a:r>
           </a:p>
           <a:p>
             <a:pPr lvl="2"/>
             <a:r>
-              <a:rPr lang="en-US" dirty="0"/>
+              <a:rPr lang="en-US" dirty="0" smtClean="0"/>
               <a:t>Third level</a:t>
             </a:r>
           </a:p>
           <a:p>
             <a:pPr lvl="3"/>
             <a:r>
-              <a:rPr lang="en-US" dirty="0"/>
+              <a:rPr lang="en-US" dirty="0" smtClean="0"/>
               <a:t>Fourth level</a:t>
             </a:r>
           </a:p>
           <a:p>
             <a:pPr lvl="4"/>
             <a:r>
-              <a:rPr lang="en-US" dirty="0"/>
+              <a:rPr lang="en-US" dirty="0" smtClean="0"/>
               <a:t>Fifth level</a:t>
             </a:r>
           </a:p>
@@ -4506,11 +4356,14 @@
           <a:lstStyle/>
           <a:p>
             <a:r>
-              <a:rPr lang="en-US" sz="18000" dirty="0">
+              <a:rPr lang="en-US" sz="18000" dirty="0" smtClean="0">
                 <a:latin typeface="Rockwell Extra Bold" panose="02060903040505020403" pitchFamily="18" charset="0"/>
               </a:rPr>
               <a:t>NLP</a:t>
             </a:r>
+            <a:endParaRPr lang="en-US" sz="18000" dirty="0">
+              <a:latin typeface="Rockwell Extra Bold" panose="02060903040505020403" pitchFamily="18" charset="0"/>
+            </a:endParaRPr>
           </a:p>
         </p:txBody>
       </p:sp>
@@ -4524,6 +4377,13 @@
   <p:clrMapOvr>
     <a:masterClrMapping/>
   </p:clrMapOvr>
+  <p:timing>
+    <p:tnLst>
+      <p:par>
+        <p:cTn id="1" dur="indefinite" restart="never" nodeType="tmRoot"/>
+      </p:par>
+    </p:tnLst>
+  </p:timing>
 </p:sld>
 </file>
 
@@ -4560,9 +4420,10 @@
           <a:lstStyle/>
           <a:p>
             <a:r>
-              <a:rPr lang="en-US" dirty="0"/>
+              <a:rPr lang="en-US" dirty="0" smtClean="0"/>
               <a:t>Mathematical Formulation</a:t>
             </a:r>
+            <a:endParaRPr lang="en-US" dirty="0"/>
           </a:p>
         </p:txBody>
       </p:sp>
@@ -4575,7 +4436,7 @@
           <p:nvPr/>
         </p:nvPicPr>
         <p:blipFill>
-          <a:blip r:embed="rId3"/>
+          <a:blip r:embed="rId2"/>
           <a:stretch>
             <a:fillRect/>
           </a:stretch>
@@ -4636,9 +4497,10 @@
           <a:lstStyle/>
           <a:p>
             <a:r>
-              <a:rPr lang="en-US" dirty="0"/>
+              <a:rPr lang="en-US" dirty="0" smtClean="0"/>
               <a:t>Mathematical Formulation</a:t>
             </a:r>
+            <a:endParaRPr lang="en-US" dirty="0"/>
           </a:p>
         </p:txBody>
       </p:sp>
@@ -4717,10 +4579,14 @@
           <a:lstStyle/>
           <a:p>
             <a:r>
+              <a:rPr lang="en-US" dirty="0" smtClean="0"/>
+              <a:t>Spam </a:t>
+            </a:r>
+            <a:r>
               <a:rPr lang="en-US" dirty="0"/>
-              <a:t>Spam Recognition</a:t>
+              <a:t>Recognition</a:t>
             </a:r>
-            <a:endParaRPr lang="en-US" altLang="en-US" dirty="0"/>
+            <a:endParaRPr lang="en-US" altLang="en-US" dirty="0" smtClean="0"/>
           </a:p>
         </p:txBody>
       </p:sp>
@@ -5232,6 +5098,13 @@
   <p:clrMapOvr>
     <a:masterClrMapping/>
   </p:clrMapOvr>
+  <p:timing>
+    <p:tnLst>
+      <p:par>
+        <p:cTn id="1" dur="indefinite" restart="never" nodeType="tmRoot"/>
+      </p:par>
+    </p:tnLst>
+  </p:timing>
 </p:sld>
 </file>
 
@@ -5269,7 +5142,7 @@
           <a:p>
             <a:pPr eaLnBrk="1" hangingPunct="1"/>
             <a:r>
-              <a:rPr lang="en-US" altLang="en-US"/>
+              <a:rPr lang="en-US" altLang="en-US" smtClean="0"/>
               <a:t>SpamAssassin</a:t>
             </a:r>
           </a:p>
@@ -5299,13 +5172,13 @@
           <a:p>
             <a:pPr eaLnBrk="1" hangingPunct="1"/>
             <a:r>
-              <a:rPr lang="en-US" altLang="en-US" dirty="0">
+              <a:rPr lang="en-US" altLang="en-US" dirty="0" smtClean="0">
                 <a:hlinkClick r:id="rId3"/>
               </a:rPr>
               <a:t>http://spamassassin.apache.org/</a:t>
             </a:r>
             <a:r>
-              <a:rPr lang="en-US" altLang="en-US" dirty="0"/>
+              <a:rPr lang="en-US" altLang="en-US" dirty="0" smtClean="0"/>
               <a:t> </a:t>
             </a:r>
           </a:p>
@@ -5316,25 +5189,37 @@
               </a:rPr>
               <a:t>http://wiki.apache.org/spamassassin/HowScoresAreAssigned</a:t>
             </a:r>
-            <a:endParaRPr lang="en-US" altLang="en-US" dirty="0"/>
+            <a:endParaRPr lang="en-US" altLang="en-US" dirty="0" smtClean="0"/>
           </a:p>
           <a:p>
             <a:pPr eaLnBrk="1" hangingPunct="1"/>
             <a:r>
+              <a:rPr lang="en-US" altLang="en-US" dirty="0" smtClean="0">
+                <a:hlinkClick r:id="rId5"/>
+              </a:rPr>
+              <a:t>http</a:t>
+            </a:r>
+            <a:r>
               <a:rPr lang="en-US" altLang="en-US" dirty="0">
                 <a:hlinkClick r:id="rId5"/>
               </a:rPr>
-              <a:t>http://spamassassin.apache.org/tests_3_3_x.html</a:t>
+              <a:t>://</a:t>
             </a:r>
             <a:r>
-              <a:rPr lang="en-US" altLang="en-US" dirty="0"/>
+              <a:rPr lang="en-US" altLang="en-US" dirty="0" smtClean="0">
+                <a:hlinkClick r:id="rId5"/>
+              </a:rPr>
+              <a:t>spamassassin.apache.org/tests_3_3_x.html</a:t>
+            </a:r>
+            <a:r>
+              <a:rPr lang="en-US" altLang="en-US" dirty="0" smtClean="0"/>
               <a:t> </a:t>
             </a:r>
           </a:p>
           <a:p>
             <a:pPr eaLnBrk="1" hangingPunct="1"/>
             <a:r>
-              <a:rPr lang="en-US" altLang="en-US" dirty="0"/>
+              <a:rPr lang="en-US" altLang="en-US" dirty="0" smtClean="0"/>
               <a:t>Example features:</a:t>
             </a:r>
           </a:p>
@@ -5344,6 +5229,7 @@
               <a:rPr lang="en-US" altLang="en-US" dirty="0"/>
               <a:t>body 		Incorporates a tracking ID number </a:t>
             </a:r>
+            <a:endParaRPr lang="en-US" altLang="en-US" dirty="0" smtClean="0"/>
           </a:p>
           <a:p>
             <a:pPr lvl="1"/>
@@ -5351,13 +5237,23 @@
               <a:rPr lang="en-US" altLang="en-US" dirty="0"/>
               <a:t>body 		HTML and text parts are different </a:t>
             </a:r>
+            <a:endParaRPr lang="en-US" altLang="en-US" dirty="0" smtClean="0"/>
           </a:p>
           <a:p>
             <a:pPr lvl="1"/>
             <a:r>
               <a:rPr lang="en-US" altLang="en-US" dirty="0"/>
-              <a:t>header 	Date: is 3 to 6 hours before Received: date </a:t>
+              <a:t>header 	</a:t>
             </a:r>
+            <a:r>
+              <a:rPr lang="en-US" altLang="en-US" dirty="0" smtClean="0"/>
+              <a:t>Date</a:t>
+            </a:r>
+            <a:r>
+              <a:rPr lang="en-US" altLang="en-US" dirty="0"/>
+              <a:t>: is 3 to 6 hours before Received: date </a:t>
+            </a:r>
+            <a:endParaRPr lang="en-US" altLang="en-US" dirty="0" smtClean="0"/>
           </a:p>
           <a:p>
             <a:pPr lvl="1"/>
@@ -5365,19 +5261,37 @@
               <a:rPr lang="en-US" altLang="en-US" dirty="0"/>
               <a:t>body 		HTML font size is huge </a:t>
             </a:r>
+            <a:endParaRPr lang="en-US" altLang="en-US" dirty="0" smtClean="0"/>
           </a:p>
           <a:p>
             <a:pPr lvl="1"/>
             <a:r>
               <a:rPr lang="en-US" altLang="en-US" dirty="0"/>
-              <a:t>header 	Attempt to obfuscate words in Subject: </a:t>
+              <a:t>header 	</a:t>
             </a:r>
+            <a:r>
+              <a:rPr lang="en-US" altLang="en-US" dirty="0" smtClean="0"/>
+              <a:t>Attempt </a:t>
+            </a:r>
+            <a:r>
+              <a:rPr lang="en-US" altLang="en-US" dirty="0"/>
+              <a:t>to obfuscate words in Subject: </a:t>
+            </a:r>
+            <a:endParaRPr lang="en-US" altLang="en-US" dirty="0" smtClean="0"/>
           </a:p>
           <a:p>
             <a:pPr lvl="1"/>
             <a:r>
               <a:rPr lang="en-US" altLang="en-US" dirty="0"/>
-              <a:t>header 	Subject =~ /^urgent(?:[\s\W]*(dollar) | .{1,40}(?:alert| response| assistance| proposal| reply| warning| </a:t>
+              <a:t>header 	</a:t>
+            </a:r>
+            <a:r>
+              <a:rPr lang="en-US" altLang="en-US" dirty="0" smtClean="0"/>
+              <a:t>Subject </a:t>
+            </a:r>
+            <a:r>
+              <a:rPr lang="en-US" altLang="en-US" dirty="0"/>
+              <a:t>=~ /^urgent(?:[\s\W]*(dollar) | .{1,40}(?:alert| response| assistance| proposal| reply| warning| </a:t>
             </a:r>
             <a:r>
               <a:rPr lang="en-US" altLang="en-US" dirty="0" err="1"/>
@@ -5411,10 +5325,11 @@
               <a:rPr lang="en-US" altLang="en-US" dirty="0"/>
               <a:t> </a:t>
             </a:r>
+            <a:endParaRPr lang="en-US" altLang="en-US" dirty="0" smtClean="0"/>
           </a:p>
           <a:p>
             <a:pPr lvl="1"/>
-            <a:endParaRPr lang="en-US" altLang="en-US" dirty="0"/>
+            <a:endParaRPr lang="en-US" altLang="en-US" dirty="0" smtClean="0"/>
           </a:p>
         </p:txBody>
       </p:sp>
@@ -5988,7 +5903,7 @@
           <a:p>
             <a:pPr eaLnBrk="1" hangingPunct="1"/>
             <a:r>
-              <a:rPr lang="en-US" altLang="en-US" dirty="0"/>
+              <a:rPr lang="en-US" altLang="en-US" dirty="0" smtClean="0"/>
               <a:t>Features for Classification</a:t>
             </a:r>
           </a:p>
@@ -6018,50 +5933,50 @@
           <a:p>
             <a:pPr eaLnBrk="1" hangingPunct="1"/>
             <a:r>
-              <a:rPr lang="en-US" altLang="en-US" sz="2800" dirty="0"/>
+              <a:rPr lang="en-US" altLang="en-US" sz="2800" dirty="0" smtClean="0"/>
               <a:t>Vector-based</a:t>
             </a:r>
           </a:p>
           <a:p>
             <a:pPr lvl="1" eaLnBrk="1" hangingPunct="1"/>
             <a:r>
-              <a:rPr lang="en-US" altLang="en-US" sz="2400" dirty="0"/>
+              <a:rPr lang="en-US" altLang="en-US" sz="2400" dirty="0" smtClean="0"/>
               <a:t>Words: “cat”, “dog”, “great”, “horrible”, etc.</a:t>
             </a:r>
           </a:p>
           <a:p>
             <a:pPr lvl="1" eaLnBrk="1" hangingPunct="1"/>
             <a:r>
-              <a:rPr lang="en-US" altLang="en-US" sz="2400" dirty="0"/>
+              <a:rPr lang="en-US" altLang="en-US" sz="2400" dirty="0" smtClean="0"/>
               <a:t>Meta features: document length, author name, etc.</a:t>
             </a:r>
           </a:p>
           <a:p>
             <a:pPr lvl="1"/>
             <a:r>
-              <a:rPr lang="en-US" altLang="en-US" sz="2400" dirty="0"/>
+              <a:rPr lang="en-US" altLang="en-US" sz="2400" dirty="0" smtClean="0"/>
               <a:t>Each document (or sentence) is represented as a vector in an </a:t>
             </a:r>
             <a:r>
-              <a:rPr lang="en-US" altLang="en-US" sz="2400" i="1" dirty="0"/>
+              <a:rPr lang="en-US" altLang="en-US" sz="2400" i="1" dirty="0" smtClean="0"/>
               <a:t>n</a:t>
             </a:r>
             <a:r>
-              <a:rPr lang="en-US" altLang="en-US" sz="2400" dirty="0"/>
+              <a:rPr lang="en-US" altLang="en-US" sz="2400" dirty="0" smtClean="0"/>
               <a:t>-dimensional space</a:t>
             </a:r>
           </a:p>
           <a:p>
             <a:pPr lvl="2"/>
             <a:r>
-              <a:rPr lang="en-US" altLang="en-US" sz="2200" dirty="0"/>
+              <a:rPr lang="en-US" altLang="en-US" sz="2200" dirty="0" smtClean="0"/>
               <a:t>Similar documents appear nearby in the vector space</a:t>
             </a:r>
           </a:p>
           <a:p>
             <a:pPr lvl="1"/>
             <a:r>
-              <a:rPr lang="en-US" altLang="en-US" sz="2400" dirty="0"/>
+              <a:rPr lang="en-US" altLang="en-US" sz="2400" dirty="0" smtClean="0"/>
               <a:t>(more later) </a:t>
             </a:r>
           </a:p>
@@ -6422,7 +6337,7 @@
           <a:lstStyle/>
           <a:p>
             <a:r>
-              <a:rPr lang="en-US" dirty="0"/>
+              <a:rPr lang="en-US" dirty="0" smtClean="0"/>
               <a:t>Classification in NLP</a:t>
             </a:r>
           </a:p>
@@ -6503,6 +6418,13 @@
   <p:clrMapOvr>
     <a:masterClrMapping/>
   </p:clrMapOvr>
+  <p:timing>
+    <p:tnLst>
+      <p:par>
+        <p:cTn id="1" dur="indefinite" restart="never" nodeType="tmRoot"/>
+      </p:par>
+    </p:tnLst>
+  </p:timing>
 </p:sld>
 </file>
 
@@ -6539,9 +6461,10 @@
           <a:lstStyle/>
           <a:p>
             <a:r>
-              <a:rPr lang="en-US" dirty="0"/>
+              <a:rPr lang="en-US" dirty="0" smtClean="0"/>
               <a:t>Introduction to NLP</a:t>
             </a:r>
+            <a:endParaRPr lang="en-US" dirty="0"/>
           </a:p>
         </p:txBody>
       </p:sp>
@@ -6561,9 +6484,10 @@
           <a:lstStyle/>
           <a:p>
             <a:r>
-              <a:rPr lang="en-US" dirty="0"/>
+              <a:rPr lang="en-US" dirty="0" smtClean="0"/>
               <a:t>Vector Space Classification</a:t>
             </a:r>
+            <a:endParaRPr lang="en-US" dirty="0"/>
           </a:p>
         </p:txBody>
       </p:sp>
@@ -6577,6 +6501,21 @@
   <p:clrMapOvr>
     <a:masterClrMapping/>
   </p:clrMapOvr>
+  <mc:AlternateContent xmlns:mc="http://schemas.openxmlformats.org/markup-compatibility/2006" xmlns:p14="http://schemas.microsoft.com/office/powerpoint/2010/main">
+    <mc:Choice Requires="p14">
+      <p:transition spd="slow" p14:dur="2000"/>
+    </mc:Choice>
+    <mc:Fallback xmlns="">
+      <p:transition spd="slow"/>
+    </mc:Fallback>
+  </mc:AlternateContent>
+  <p:timing>
+    <p:tnLst>
+      <p:par>
+        <p:cTn id="1" dur="indefinite" restart="never" nodeType="tmRoot"/>
+      </p:par>
+    </p:tnLst>
+  </p:timing>
 </p:sld>
 </file>
 
@@ -6614,7 +6553,7 @@
           <a:p>
             <a:pPr eaLnBrk="1" hangingPunct="1"/>
             <a:r>
-              <a:rPr lang="en-US" altLang="en-US" dirty="0"/>
+              <a:rPr lang="en-US" altLang="en-US" dirty="0" smtClean="0"/>
               <a:t>Vector Space Classification</a:t>
             </a:r>
           </a:p>
@@ -8391,6 +8330,21 @@
   <p:clrMapOvr>
     <a:masterClrMapping/>
   </p:clrMapOvr>
+  <mc:AlternateContent xmlns:mc="http://schemas.openxmlformats.org/markup-compatibility/2006" xmlns:p14="http://schemas.microsoft.com/office/powerpoint/2010/main">
+    <mc:Choice Requires="p14">
+      <p:transition spd="slow" p14:dur="2000"/>
+    </mc:Choice>
+    <mc:Fallback xmlns="">
+      <p:transition spd="slow"/>
+    </mc:Fallback>
+  </mc:AlternateContent>
+  <p:timing>
+    <p:tnLst>
+      <p:par>
+        <p:cTn id="1" dur="indefinite" restart="never" nodeType="tmRoot"/>
+      </p:par>
+    </p:tnLst>
+  </p:timing>
 </p:sld>
 </file>
 
@@ -8428,7 +8382,7 @@
           <a:p>
             <a:pPr eaLnBrk="1" hangingPunct="1"/>
             <a:r>
-              <a:rPr lang="en-US" altLang="en-US"/>
+              <a:rPr lang="en-US" altLang="en-US" smtClean="0"/>
               <a:t>Decision surfaces</a:t>
             </a:r>
           </a:p>
@@ -10466,7 +10420,7 @@
           <a:p>
             <a:pPr eaLnBrk="1" hangingPunct="1"/>
             <a:r>
-              <a:rPr lang="en-US" altLang="en-US"/>
+              <a:rPr lang="en-US" altLang="en-US" smtClean="0"/>
               <a:t>Decision trees</a:t>
             </a:r>
           </a:p>
@@ -12337,6 +12291,14 @@
   <p:clrMapOvr>
     <a:masterClrMapping/>
   </p:clrMapOvr>
+  <mc:AlternateContent xmlns:mc="http://schemas.openxmlformats.org/markup-compatibility/2006" xmlns:p14="http://schemas.microsoft.com/office/powerpoint/2010/main">
+    <mc:Choice Requires="p14">
+      <p:transition spd="slow" p14:dur="2000"/>
+    </mc:Choice>
+    <mc:Fallback xmlns="">
+      <p:transition spd="slow"/>
+    </mc:Fallback>
+  </mc:AlternateContent>
   <p:timing>
     <p:tnLst>
       <p:par>
@@ -12448,9 +12410,10 @@
           <a:lstStyle/>
           <a:p>
             <a:r>
-              <a:rPr lang="en-US" dirty="0"/>
+              <a:rPr lang="en-US" dirty="0" smtClean="0"/>
               <a:t>Introduction to NLP</a:t>
             </a:r>
+            <a:endParaRPr lang="en-US" dirty="0"/>
           </a:p>
         </p:txBody>
       </p:sp>
@@ -12470,9 +12433,10 @@
           <a:lstStyle/>
           <a:p>
             <a:r>
-              <a:rPr lang="en-US" dirty="0"/>
+              <a:rPr lang="en-US" dirty="0" smtClean="0"/>
               <a:t>Text Classification</a:t>
             </a:r>
+            <a:endParaRPr lang="en-US" dirty="0"/>
           </a:p>
         </p:txBody>
       </p:sp>
@@ -12486,6 +12450,13 @@
   <p:clrMapOvr>
     <a:masterClrMapping/>
   </p:clrMapOvr>
+  <p:timing>
+    <p:tnLst>
+      <p:par>
+        <p:cTn id="1" dur="indefinite" restart="never" nodeType="tmRoot"/>
+      </p:par>
+    </p:tnLst>
+  </p:timing>
 </p:sld>
 </file>
 
@@ -12525,7 +12496,7 @@
               <a:rPr lang="en-US" dirty="0"/>
               <a:t>Classification Using Centroids</a:t>
             </a:r>
-            <a:endParaRPr lang="en-US" altLang="en-US" dirty="0"/>
+            <a:endParaRPr lang="en-US" altLang="en-US" dirty="0" smtClean="0"/>
           </a:p>
         </p:txBody>
       </p:sp>
@@ -12553,41 +12524,41 @@
           <a:p>
             <a:pPr eaLnBrk="1" hangingPunct="1"/>
             <a:r>
-              <a:rPr lang="en-US" altLang="en-US" dirty="0"/>
+              <a:rPr lang="en-US" altLang="en-US" dirty="0" smtClean="0"/>
               <a:t>Centroid</a:t>
             </a:r>
           </a:p>
           <a:p>
             <a:pPr lvl="1"/>
             <a:r>
-              <a:rPr lang="en-US" altLang="en-US" dirty="0"/>
+              <a:rPr lang="en-US" altLang="en-US" dirty="0" smtClean="0"/>
               <a:t>the point most representative of a class</a:t>
             </a:r>
           </a:p>
           <a:p>
             <a:pPr eaLnBrk="1" hangingPunct="1"/>
             <a:r>
-              <a:rPr lang="en-US" altLang="en-US" dirty="0"/>
+              <a:rPr lang="en-US" altLang="en-US" dirty="0" smtClean="0"/>
               <a:t>Compute centroid by finding vector average of known class members</a:t>
             </a:r>
           </a:p>
           <a:p>
             <a:pPr eaLnBrk="1" hangingPunct="1"/>
             <a:r>
-              <a:rPr lang="en-US" altLang="en-US" dirty="0"/>
+              <a:rPr lang="en-US" altLang="en-US" dirty="0" smtClean="0"/>
               <a:t>Decision boundary is a line that is equidistant from two centroids.</a:t>
             </a:r>
           </a:p>
           <a:p>
             <a:pPr eaLnBrk="1" hangingPunct="1"/>
             <a:r>
-              <a:rPr lang="en-US" altLang="en-US" dirty="0"/>
+              <a:rPr lang="en-US" altLang="en-US" dirty="0" smtClean="0"/>
               <a:t>New document on one side of the goes in one class; new document on the other side goes in the other. </a:t>
             </a:r>
           </a:p>
           <a:p>
             <a:pPr eaLnBrk="1" hangingPunct="1"/>
-            <a:endParaRPr lang="en-US" altLang="en-US" dirty="0"/>
+            <a:endParaRPr lang="en-US" altLang="en-US" dirty="0" smtClean="0"/>
           </a:p>
         </p:txBody>
       </p:sp>
@@ -12601,6 +12572,14 @@
   <p:clrMapOvr>
     <a:masterClrMapping/>
   </p:clrMapOvr>
+  <mc:AlternateContent xmlns:mc="http://schemas.openxmlformats.org/markup-compatibility/2006" xmlns:p14="http://schemas.microsoft.com/office/powerpoint/2010/main">
+    <mc:Choice Requires="p14">
+      <p:transition spd="slow" p14:dur="2000"/>
+    </mc:Choice>
+    <mc:Fallback xmlns="">
+      <p:transition spd="slow"/>
+    </mc:Fallback>
+  </mc:AlternateContent>
   <p:timing>
     <p:tnLst>
       <p:par>
@@ -12916,7 +12895,7 @@
           <a:p>
             <a:pPr eaLnBrk="1" hangingPunct="1"/>
             <a:r>
-              <a:rPr lang="en-US" altLang="en-US"/>
+              <a:rPr lang="en-US" altLang="en-US" smtClean="0"/>
               <a:t>Linear boundary</a:t>
             </a:r>
           </a:p>
@@ -14695,6 +14674,14 @@
   <p:clrMapOvr>
     <a:masterClrMapping/>
   </p:clrMapOvr>
+  <mc:AlternateContent xmlns:mc="http://schemas.openxmlformats.org/markup-compatibility/2006" xmlns:p14="http://schemas.microsoft.com/office/powerpoint/2010/main">
+    <mc:Choice Requires="p14">
+      <p:transition spd="slow" p14:dur="2000"/>
+    </mc:Choice>
+    <mc:Fallback xmlns="">
+      <p:transition spd="slow"/>
+    </mc:Fallback>
+  </mc:AlternateContent>
   <p:timing>
     <p:tnLst>
       <p:par>
@@ -14806,9 +14793,10 @@
           <a:lstStyle/>
           <a:p>
             <a:r>
-              <a:rPr lang="en-US" dirty="0"/>
+              <a:rPr lang="en-US" dirty="0" smtClean="0"/>
               <a:t>Classification Using Centroids</a:t>
             </a:r>
+            <a:endParaRPr lang="en-US" dirty="0"/>
           </a:p>
         </p:txBody>
       </p:sp>
@@ -17013,7 +17001,7 @@
                 <a:buNone/>
               </a:pPr>
               <a:r>
-                <a:rPr lang="en-US" altLang="en-US" sz="2400" dirty="0">
+                <a:rPr lang="en-US" altLang="en-US" sz="2400" dirty="0" smtClean="0">
                   <a:solidFill>
                     <a:srgbClr val="000000"/>
                   </a:solidFill>
@@ -17022,6 +17010,13 @@
                 </a:rPr>
                 <a:t>centroid2</a:t>
               </a:r>
+              <a:endParaRPr lang="en-US" altLang="en-US" sz="2400" dirty="0">
+                <a:solidFill>
+                  <a:srgbClr val="000000"/>
+                </a:solidFill>
+                <a:latin typeface="Times New Roman" pitchFamily="18" charset="0"/>
+                <a:cs typeface="Times New Roman" pitchFamily="18" charset="0"/>
+              </a:endParaRPr>
             </a:p>
           </p:txBody>
         </p:sp>
@@ -17200,7 +17195,7 @@
                 <a:buNone/>
               </a:pPr>
               <a:r>
-                <a:rPr lang="en-US" altLang="en-US" sz="2400" dirty="0">
+                <a:rPr lang="en-US" altLang="en-US" sz="2400" dirty="0" smtClean="0">
                   <a:solidFill>
                     <a:srgbClr val="000000"/>
                   </a:solidFill>
@@ -17209,6 +17204,13 @@
                 </a:rPr>
                 <a:t>centroid1</a:t>
               </a:r>
+              <a:endParaRPr lang="en-US" altLang="en-US" sz="2400" dirty="0">
+                <a:solidFill>
+                  <a:srgbClr val="000000"/>
+                </a:solidFill>
+                <a:latin typeface="Times New Roman" pitchFamily="18" charset="0"/>
+                <a:cs typeface="Times New Roman" pitchFamily="18" charset="0"/>
+              </a:endParaRPr>
             </a:p>
           </p:txBody>
         </p:sp>
@@ -17223,6 +17225,14 @@
   <p:clrMapOvr>
     <a:masterClrMapping/>
   </p:clrMapOvr>
+  <mc:AlternateContent xmlns:mc="http://schemas.openxmlformats.org/markup-compatibility/2006" xmlns:p14="http://schemas.microsoft.com/office/powerpoint/2010/main">
+    <mc:Choice Requires="p14">
+      <p:transition spd="slow" p14:dur="2000"/>
+    </mc:Choice>
+    <mc:Fallback xmlns="">
+      <p:transition spd="slow"/>
+    </mc:Fallback>
+  </mc:AlternateContent>
   <p:timing>
     <p:tnLst>
       <p:par>
@@ -17415,9 +17425,10 @@
           <a:lstStyle/>
           <a:p>
             <a:r>
-              <a:rPr lang="en-US" dirty="0"/>
+              <a:rPr lang="en-US" dirty="0" smtClean="0"/>
               <a:t>Introduction to NLP</a:t>
             </a:r>
+            <a:endParaRPr lang="en-US" dirty="0"/>
           </a:p>
         </p:txBody>
       </p:sp>
@@ -17437,9 +17448,10 @@
           <a:lstStyle/>
           <a:p>
             <a:r>
-              <a:rPr lang="en-US" dirty="0"/>
+              <a:rPr lang="en-US" dirty="0" smtClean="0"/>
               <a:t>Linear Classifiers</a:t>
             </a:r>
+            <a:endParaRPr lang="en-US" dirty="0"/>
           </a:p>
         </p:txBody>
       </p:sp>
@@ -17453,6 +17465,13 @@
   <p:clrMapOvr>
     <a:masterClrMapping/>
   </p:clrMapOvr>
+  <p:timing>
+    <p:tnLst>
+      <p:par>
+        <p:cTn id="1" dur="indefinite" restart="never" nodeType="tmRoot"/>
+      </p:par>
+    </p:tnLst>
+  </p:timing>
 </p:sld>
 </file>
 
@@ -19019,7 +19038,7 @@
           <a:p>
             <a:pPr eaLnBrk="1" hangingPunct="1"/>
             <a:r>
-              <a:rPr lang="en-US" altLang="en-US" dirty="0"/>
+              <a:rPr lang="en-US" altLang="en-US" dirty="0" smtClean="0"/>
               <a:t>Decision Boundary</a:t>
             </a:r>
           </a:p>
@@ -19065,6 +19084,13 @@
   <p:clrMapOvr>
     <a:masterClrMapping/>
   </p:clrMapOvr>
+  <p:timing>
+    <p:tnLst>
+      <p:par>
+        <p:cTn id="1" dur="indefinite" restart="never" nodeType="tmRoot"/>
+      </p:par>
+    </p:tnLst>
+  </p:timing>
 </p:sld>
 </file>
 
@@ -20664,7 +20690,7 @@
           <a:p>
             <a:pPr eaLnBrk="1" hangingPunct="1"/>
             <a:r>
-              <a:rPr lang="en-US" altLang="en-US" dirty="0"/>
+              <a:rPr lang="en-US" altLang="en-US" dirty="0" smtClean="0"/>
               <a:t>Decision Boundary</a:t>
             </a:r>
           </a:p>
@@ -20710,6 +20736,13 @@
   <p:clrMapOvr>
     <a:masterClrMapping/>
   </p:clrMapOvr>
+  <p:timing>
+    <p:tnLst>
+      <p:par>
+        <p:cTn id="1" dur="indefinite" restart="never" nodeType="tmRoot"/>
+      </p:par>
+    </p:tnLst>
+  </p:timing>
 </p:sld>
 </file>
 
@@ -22377,7 +22410,7 @@
           <a:p>
             <a:pPr eaLnBrk="1" hangingPunct="1"/>
             <a:r>
-              <a:rPr lang="en-US" altLang="en-US" dirty="0"/>
+              <a:rPr lang="en-US" altLang="en-US" dirty="0" smtClean="0"/>
               <a:t>Decision Boundary</a:t>
             </a:r>
           </a:p>
@@ -22423,6 +22456,13 @@
   <p:clrMapOvr>
     <a:masterClrMapping/>
   </p:clrMapOvr>
+  <p:timing>
+    <p:tnLst>
+      <p:par>
+        <p:cTn id="1" dur="indefinite" restart="never" nodeType="tmRoot"/>
+      </p:par>
+    </p:tnLst>
+  </p:timing>
 </p:sld>
 </file>
 
@@ -24351,7 +24391,7 @@
           <a:p>
             <a:pPr eaLnBrk="1" hangingPunct="1"/>
             <a:r>
-              <a:rPr lang="en-US" altLang="en-US" dirty="0"/>
+              <a:rPr lang="en-US" altLang="en-US" dirty="0" smtClean="0"/>
               <a:t>Decision Boundary</a:t>
             </a:r>
           </a:p>
@@ -24367,6 +24407,13 @@
   <p:clrMapOvr>
     <a:masterClrMapping/>
   </p:clrMapOvr>
+  <p:timing>
+    <p:tnLst>
+      <p:par>
+        <p:cTn id="1" dur="indefinite" restart="never" nodeType="tmRoot"/>
+      </p:par>
+    </p:tnLst>
+  </p:timing>
 </p:sld>
 </file>
 
@@ -26617,7 +26664,7 @@
           <a:p>
             <a:pPr eaLnBrk="1" hangingPunct="1"/>
             <a:r>
-              <a:rPr lang="en-US" altLang="en-US" dirty="0"/>
+              <a:rPr lang="en-US" altLang="en-US" dirty="0" smtClean="0"/>
               <a:t>Decision Boundary</a:t>
             </a:r>
           </a:p>
@@ -26633,6 +26680,13 @@
   <p:clrMapOvr>
     <a:masterClrMapping/>
   </p:clrMapOvr>
+  <p:timing>
+    <p:tnLst>
+      <p:par>
+        <p:cTn id="1" dur="indefinite" restart="never" nodeType="tmRoot"/>
+      </p:par>
+    </p:tnLst>
+  </p:timing>
 </p:sld>
 </file>
 
@@ -26670,7 +26724,7 @@
           <a:p>
             <a:pPr eaLnBrk="1" hangingPunct="1"/>
             <a:r>
-              <a:rPr lang="en-US" altLang="en-US" dirty="0"/>
+              <a:rPr lang="en-US" altLang="en-US" dirty="0" smtClean="0"/>
               <a:t>Linear Separators</a:t>
             </a:r>
           </a:p>
@@ -26705,7 +26759,11 @@
             </a:pPr>
             <a:r>
               <a:rPr lang="en-US" altLang="en-US" dirty="0"/>
-              <a:t>Two-dimensional line:</a:t>
+              <a:t>Two-dimensional </a:t>
+            </a:r>
+            <a:r>
+              <a:rPr lang="en-US" altLang="en-US" dirty="0" smtClean="0"/>
+              <a:t>line:</a:t>
             </a:r>
           </a:p>
           <a:p>
@@ -26716,40 +26774,48 @@
               <a:buNone/>
             </a:pPr>
             <a:r>
-              <a:rPr lang="en-US" altLang="en-US" dirty="0"/>
+              <a:rPr lang="en-US" altLang="en-US" dirty="0" smtClean="0"/>
               <a:t>w</a:t>
             </a:r>
             <a:r>
-              <a:rPr lang="en-US" altLang="en-US" baseline="-25000" dirty="0"/>
+              <a:rPr lang="en-US" altLang="en-US" baseline="-25000" dirty="0" smtClean="0"/>
               <a:t>1</a:t>
             </a:r>
             <a:r>
-              <a:rPr lang="en-US" altLang="en-US" dirty="0"/>
+              <a:rPr lang="en-US" altLang="en-US" dirty="0" smtClean="0"/>
               <a:t>x</a:t>
             </a:r>
             <a:r>
-              <a:rPr lang="en-US" altLang="en-US" baseline="-25000" dirty="0"/>
+              <a:rPr lang="en-US" altLang="en-US" baseline="-25000" dirty="0" smtClean="0"/>
               <a:t>1</a:t>
             </a:r>
             <a:r>
-              <a:rPr lang="en-US" altLang="en-US" dirty="0"/>
+              <a:rPr lang="en-US" altLang="en-US" dirty="0" smtClean="0"/>
               <a:t>+w</a:t>
             </a:r>
             <a:r>
-              <a:rPr lang="en-US" altLang="en-US" baseline="-25000" dirty="0"/>
+              <a:rPr lang="en-US" altLang="en-US" baseline="-25000" dirty="0" smtClean="0"/>
               <a:t>2</a:t>
             </a:r>
             <a:r>
-              <a:rPr lang="en-US" altLang="en-US" dirty="0"/>
+              <a:rPr lang="en-US" altLang="en-US" dirty="0" smtClean="0"/>
               <a:t>x</a:t>
             </a:r>
             <a:r>
-              <a:rPr lang="en-US" altLang="en-US" baseline="-25000" dirty="0"/>
+              <a:rPr lang="en-US" altLang="en-US" baseline="-25000" dirty="0" smtClean="0"/>
               <a:t>2</a:t>
             </a:r>
             <a:r>
+              <a:rPr lang="en-US" altLang="en-US" dirty="0" smtClean="0"/>
+              <a:t>=b </a:t>
+            </a:r>
+            <a:r>
               <a:rPr lang="en-US" altLang="en-US" dirty="0"/>
-              <a:t>=b is the linear separator</a:t>
+              <a:t>is the linear </a:t>
+            </a:r>
+            <a:r>
+              <a:rPr lang="en-US" altLang="en-US" dirty="0" smtClean="0"/>
+              <a:t>separator</a:t>
             </a:r>
           </a:p>
           <a:p>
@@ -26760,40 +26826,48 @@
               <a:buNone/>
             </a:pPr>
             <a:r>
-              <a:rPr lang="en-US" altLang="en-US" dirty="0"/>
+              <a:rPr lang="en-US" altLang="en-US" dirty="0" smtClean="0"/>
               <a:t>w</a:t>
             </a:r>
             <a:r>
-              <a:rPr lang="en-US" altLang="en-US" baseline="-25000" dirty="0"/>
+              <a:rPr lang="en-US" altLang="en-US" baseline="-25000" dirty="0" smtClean="0"/>
               <a:t>1</a:t>
             </a:r>
             <a:r>
-              <a:rPr lang="en-US" altLang="en-US" dirty="0"/>
+              <a:rPr lang="en-US" altLang="en-US" dirty="0" smtClean="0"/>
               <a:t>x</a:t>
             </a:r>
             <a:r>
-              <a:rPr lang="en-US" altLang="en-US" baseline="-25000" dirty="0"/>
+              <a:rPr lang="en-US" altLang="en-US" baseline="-25000" dirty="0" smtClean="0"/>
               <a:t>1</a:t>
             </a:r>
             <a:r>
-              <a:rPr lang="en-US" altLang="en-US" dirty="0"/>
+              <a:rPr lang="en-US" altLang="en-US" dirty="0" smtClean="0"/>
               <a:t>+w</a:t>
             </a:r>
             <a:r>
-              <a:rPr lang="en-US" altLang="en-US" baseline="-25000" dirty="0"/>
+              <a:rPr lang="en-US" altLang="en-US" baseline="-25000" dirty="0" smtClean="0"/>
               <a:t>2</a:t>
             </a:r>
             <a:r>
-              <a:rPr lang="en-US" altLang="en-US" dirty="0"/>
+              <a:rPr lang="en-US" altLang="en-US" dirty="0" smtClean="0"/>
               <a:t>x</a:t>
             </a:r>
             <a:r>
-              <a:rPr lang="en-US" altLang="en-US" baseline="-25000" dirty="0"/>
+              <a:rPr lang="en-US" altLang="en-US" baseline="-25000" dirty="0" smtClean="0"/>
               <a:t>2</a:t>
             </a:r>
             <a:r>
+              <a:rPr lang="en-US" altLang="en-US" dirty="0" smtClean="0"/>
+              <a:t>&gt;b </a:t>
+            </a:r>
+            <a:r>
               <a:rPr lang="en-US" altLang="en-US" dirty="0"/>
-              <a:t>&gt;b for the positive class</a:t>
+              <a:t>for the positive </a:t>
+            </a:r>
+            <a:r>
+              <a:rPr lang="en-US" altLang="en-US" dirty="0" smtClean="0"/>
+              <a:t>class</a:t>
             </a:r>
           </a:p>
           <a:p>
@@ -26803,7 +26877,7 @@
               </a:lnSpc>
             </a:pPr>
             <a:r>
-              <a:rPr lang="en-US" altLang="en-US" dirty="0">
+              <a:rPr lang="en-US" altLang="en-US" dirty="0" smtClean="0">
                 <a:solidFill>
                   <a:srgbClr val="000000"/>
                 </a:solidFill>
@@ -26824,7 +26898,15 @@
                   <a:srgbClr val="000000"/>
                 </a:solidFill>
               </a:rPr>
-              <a:t>-dimensional spaces:</a:t>
+              <a:t>-dimensional spaces</a:t>
+            </a:r>
+            <a:r>
+              <a:rPr lang="en-US" altLang="en-US" dirty="0" smtClean="0">
+                <a:solidFill>
+                  <a:srgbClr val="000000"/>
+                </a:solidFill>
+              </a:rPr>
+              <a:t>:</a:t>
             </a:r>
           </a:p>
           <a:p>
@@ -27215,6 +27297,13 @@
   <p:clrMapOvr>
     <a:masterClrMapping/>
   </p:clrMapOvr>
+  <p:timing>
+    <p:tnLst>
+      <p:par>
+        <p:cTn id="1" dur="indefinite" restart="never" nodeType="tmRoot"/>
+      </p:par>
+    </p:tnLst>
+  </p:timing>
 </p:sld>
 </file>
 
@@ -27252,7 +27341,7 @@
           <a:p>
             <a:pPr eaLnBrk="1" hangingPunct="1"/>
             <a:r>
-              <a:rPr lang="en-US" altLang="en-US" dirty="0"/>
+              <a:rPr lang="en-US" altLang="en-US" dirty="0" smtClean="0"/>
               <a:t>Classification</a:t>
             </a:r>
           </a:p>
@@ -27289,7 +27378,19 @@
               <a:rPr lang="en-US" altLang="en-US" sz="3200" dirty="0">
                 <a:latin typeface="Calibri" charset="0"/>
               </a:rPr>
-              <a:t>Assigning documents or sentences to predefined categories</a:t>
+              <a:t>Assigning documents </a:t>
+            </a:r>
+            <a:r>
+              <a:rPr lang="en-US" altLang="en-US" sz="3200" dirty="0" smtClean="0">
+                <a:latin typeface="Calibri" charset="0"/>
+              </a:rPr>
+              <a:t>or sentences to </a:t>
+            </a:r>
+            <a:r>
+              <a:rPr lang="en-US" altLang="en-US" sz="3200" dirty="0">
+                <a:latin typeface="Calibri" charset="0"/>
+              </a:rPr>
+              <a:t>predefined categories</a:t>
             </a:r>
           </a:p>
           <a:p>
@@ -27299,7 +27400,7 @@
               </a:lnSpc>
             </a:pPr>
             <a:r>
-              <a:rPr lang="en-US" altLang="en-US" dirty="0"/>
+              <a:rPr lang="en-US" altLang="en-US" dirty="0" smtClean="0"/>
               <a:t> </a:t>
             </a:r>
             <a:r>
@@ -27338,7 +27439,13 @@
               <a:rPr lang="en-US" sz="2800" dirty="0">
                 <a:latin typeface="Calibri" charset="0"/>
               </a:rPr>
-              <a:t> a document (or sentence) </a:t>
+              <a:t> a </a:t>
+            </a:r>
+            <a:r>
+              <a:rPr lang="en-US" sz="2800" dirty="0" smtClean="0">
+                <a:latin typeface="Calibri" charset="0"/>
+              </a:rPr>
+              <a:t>document (or sentence) </a:t>
             </a:r>
             <a:r>
               <a:rPr lang="en-US" sz="2800" i="1" dirty="0">
@@ -27499,7 +27606,7 @@
               <a:t>J</a:t>
             </a:r>
             <a:r>
-              <a:rPr lang="en-US" sz="2800" dirty="0">
+              <a:rPr lang="en-US" sz="2800" dirty="0" smtClean="0">
                 <a:solidFill>
                   <a:srgbClr val="FF0000"/>
                 </a:solidFill>
@@ -27584,7 +27691,7 @@
                 <a:spcPct val="110000"/>
               </a:lnSpc>
             </a:pPr>
-            <a:endParaRPr lang="en-US" altLang="en-US" dirty="0"/>
+            <a:endParaRPr lang="en-US" altLang="en-US" dirty="0" smtClean="0"/>
           </a:p>
         </p:txBody>
       </p:sp>
@@ -27962,7 +28069,7 @@
           <a:p>
             <a:pPr eaLnBrk="1" hangingPunct="1"/>
             <a:r>
-              <a:rPr lang="en-US" altLang="en-US" dirty="0"/>
+              <a:rPr lang="en-US" altLang="en-US" dirty="0" smtClean="0"/>
               <a:t>Example</a:t>
             </a:r>
           </a:p>
@@ -27992,36 +28099,37 @@
           <a:p>
             <a:pPr eaLnBrk="1" hangingPunct="1"/>
             <a:r>
-              <a:rPr lang="en-US" altLang="en-US" sz="2800" dirty="0"/>
+              <a:rPr lang="en-US" altLang="en-US" sz="2800" dirty="0" smtClean="0"/>
               <a:t>Bias b=0 (in this example)</a:t>
             </a:r>
           </a:p>
           <a:p>
             <a:pPr eaLnBrk="1" hangingPunct="1"/>
             <a:r>
-              <a:rPr lang="en-US" altLang="en-US" sz="2800" dirty="0"/>
+              <a:rPr lang="en-US" altLang="en-US" sz="2800" dirty="0" smtClean="0"/>
               <a:t>Sentence is “A D E H”</a:t>
             </a:r>
           </a:p>
           <a:p>
             <a:pPr eaLnBrk="1" hangingPunct="1"/>
             <a:r>
-              <a:rPr lang="en-US" altLang="en-US" sz="2800" dirty="0"/>
+              <a:rPr lang="en-US" altLang="en-US" sz="2800" dirty="0" smtClean="0"/>
               <a:t>Its score will be</a:t>
             </a:r>
+            <a:endParaRPr lang="en-US" altLang="en-US" sz="2800" dirty="0"/>
           </a:p>
           <a:p>
             <a:pPr marL="457200" lvl="1" indent="0">
               <a:buNone/>
             </a:pPr>
             <a:r>
-              <a:rPr lang="en-US" altLang="en-US" sz="2300" dirty="0"/>
+              <a:rPr lang="en-US" altLang="en-US" sz="2300" dirty="0" smtClean="0"/>
               <a:t>0.6*1+0.4*1+0.4*1+(-0.5)*1 = 0.9&gt;0</a:t>
             </a:r>
           </a:p>
           <a:p>
             <a:pPr eaLnBrk="1" hangingPunct="1"/>
-            <a:endParaRPr lang="en-US" altLang="en-US" sz="2800" dirty="0"/>
+            <a:endParaRPr lang="en-US" altLang="en-US" sz="2800" dirty="0" smtClean="0"/>
           </a:p>
         </p:txBody>
       </p:sp>
@@ -28051,28 +28159,28 @@
                 <a:gridCol w="545090">
                   <a:extLst>
                     <a:ext uri="{9D8B030D-6E8A-4147-A177-3AD203B41FA5}">
-                      <a16:colId xmlns:a16="http://schemas.microsoft.com/office/drawing/2014/main" val="20000"/>
+                      <a16:colId xmlns:a16="http://schemas.microsoft.com/office/drawing/2014/main" xmlns="" val="20000"/>
                     </a:ext>
                   </a:extLst>
                 </a:gridCol>
                 <a:gridCol w="415979">
                   <a:extLst>
                     <a:ext uri="{9D8B030D-6E8A-4147-A177-3AD203B41FA5}">
-                      <a16:colId xmlns:a16="http://schemas.microsoft.com/office/drawing/2014/main" val="20001"/>
+                      <a16:colId xmlns:a16="http://schemas.microsoft.com/office/drawing/2014/main" xmlns="" val="20001"/>
                     </a:ext>
                   </a:extLst>
                 </a:gridCol>
                 <a:gridCol w="564257">
                   <a:extLst>
                     <a:ext uri="{9D8B030D-6E8A-4147-A177-3AD203B41FA5}">
-                      <a16:colId xmlns:a16="http://schemas.microsoft.com/office/drawing/2014/main" val="20002"/>
+                      <a16:colId xmlns:a16="http://schemas.microsoft.com/office/drawing/2014/main" xmlns="" val="20002"/>
                     </a:ext>
                   </a:extLst>
                 </a:gridCol>
                 <a:gridCol w="409652">
                   <a:extLst>
                     <a:ext uri="{9D8B030D-6E8A-4147-A177-3AD203B41FA5}">
-                      <a16:colId xmlns:a16="http://schemas.microsoft.com/office/drawing/2014/main" val="20003"/>
+                      <a16:colId xmlns:a16="http://schemas.microsoft.com/office/drawing/2014/main" xmlns="" val="20003"/>
                     </a:ext>
                   </a:extLst>
                 </a:gridCol>
@@ -28100,7 +28208,7 @@
                         <a:tabLst/>
                       </a:pPr>
                       <a:r>
-                        <a:rPr kumimoji="0" lang="en-US" sz="1400" b="0" i="0" u="none" strike="noStrike" cap="none" normalizeH="0" baseline="0" dirty="0" err="1">
+                        <a:rPr kumimoji="0" lang="en-US" sz="1400" b="0" i="0" u="none" strike="noStrike" cap="none" normalizeH="0" baseline="0" dirty="0" err="1" smtClean="0">
                           <a:ln>
                             <a:noFill/>
                           </a:ln>
@@ -28113,7 +28221,7 @@
                         <a:t>w</a:t>
                       </a:r>
                       <a:r>
-                        <a:rPr kumimoji="0" lang="en-US" sz="1400" b="0" i="0" u="none" strike="noStrike" cap="none" normalizeH="0" baseline="-25000" dirty="0" err="1">
+                        <a:rPr kumimoji="0" lang="en-US" sz="1400" b="0" i="0" u="none" strike="noStrike" cap="none" normalizeH="0" baseline="-25000" dirty="0" err="1" smtClean="0">
                           <a:ln>
                             <a:noFill/>
                           </a:ln>
@@ -28125,7 +28233,7 @@
                         </a:rPr>
                         <a:t>i</a:t>
                       </a:r>
-                      <a:endParaRPr kumimoji="0" lang="en-US" sz="1400" b="0" i="0" u="none" strike="noStrike" cap="none" normalizeH="0" baseline="-25000" dirty="0">
+                      <a:endParaRPr kumimoji="0" lang="en-US" sz="1400" b="0" i="0" u="none" strike="noStrike" cap="none" normalizeH="0" baseline="-25000" dirty="0" smtClean="0">
                         <a:ln>
                           <a:noFill/>
                         </a:ln>
@@ -28205,7 +28313,7 @@
                         <a:tabLst/>
                       </a:pPr>
                       <a:r>
-                        <a:rPr kumimoji="0" lang="en-US" sz="1400" b="0" i="0" u="none" strike="noStrike" cap="none" normalizeH="0" baseline="0" dirty="0">
+                        <a:rPr kumimoji="0" lang="en-US" sz="1400" b="0" i="0" u="none" strike="noStrike" cap="none" normalizeH="0" baseline="0" dirty="0" smtClean="0">
                           <a:ln>
                             <a:noFill/>
                           </a:ln>
@@ -28218,7 +28326,7 @@
                         <a:t>x</a:t>
                       </a:r>
                       <a:r>
-                        <a:rPr kumimoji="0" lang="en-US" sz="1400" b="0" i="0" u="none" strike="noStrike" cap="none" normalizeH="0" baseline="-25000" dirty="0">
+                        <a:rPr kumimoji="0" lang="en-US" sz="1400" b="0" i="0" u="none" strike="noStrike" cap="none" normalizeH="0" baseline="-25000" dirty="0" smtClean="0">
                           <a:ln>
                             <a:noFill/>
                           </a:ln>
@@ -28300,7 +28408,7 @@
                         <a:tabLst/>
                       </a:pPr>
                       <a:r>
-                        <a:rPr kumimoji="0" lang="en-US" sz="1400" b="0" i="0" u="none" strike="noStrike" cap="none" normalizeH="0" baseline="0">
+                        <a:rPr kumimoji="0" lang="en-US" sz="1400" b="0" i="0" u="none" strike="noStrike" cap="none" normalizeH="0" baseline="0" smtClean="0">
                           <a:ln>
                             <a:noFill/>
                           </a:ln>
@@ -28313,7 +28421,7 @@
                         <a:t>w</a:t>
                       </a:r>
                       <a:r>
-                        <a:rPr kumimoji="0" lang="en-US" sz="1400" b="0" i="0" u="none" strike="noStrike" cap="none" normalizeH="0" baseline="-25000">
+                        <a:rPr kumimoji="0" lang="en-US" sz="1400" b="0" i="0" u="none" strike="noStrike" cap="none" normalizeH="0" baseline="-25000" smtClean="0">
                           <a:ln>
                             <a:noFill/>
                           </a:ln>
@@ -28395,7 +28503,7 @@
                         <a:tabLst/>
                       </a:pPr>
                       <a:r>
-                        <a:rPr kumimoji="0" lang="en-US" sz="1400" b="0" i="0" u="none" strike="noStrike" cap="none" normalizeH="0" baseline="0">
+                        <a:rPr kumimoji="0" lang="en-US" sz="1400" b="0" i="0" u="none" strike="noStrike" cap="none" normalizeH="0" baseline="0" smtClean="0">
                           <a:ln>
                             <a:noFill/>
                           </a:ln>
@@ -28408,7 +28516,7 @@
                         <a:t>x</a:t>
                       </a:r>
                       <a:r>
-                        <a:rPr kumimoji="0" lang="en-US" sz="1400" b="0" i="0" u="none" strike="noStrike" cap="none" normalizeH="0" baseline="-25000">
+                        <a:rPr kumimoji="0" lang="en-US" sz="1400" b="0" i="0" u="none" strike="noStrike" cap="none" normalizeH="0" baseline="-25000" smtClean="0">
                           <a:ln>
                             <a:noFill/>
                           </a:ln>
@@ -28470,7 +28578,7 @@
                 </a:tc>
                 <a:extLst>
                   <a:ext uri="{0D108BD9-81ED-4DB2-BD59-A6C34878D82A}">
-                    <a16:rowId xmlns:a16="http://schemas.microsoft.com/office/drawing/2014/main" val="10000"/>
+                    <a16:rowId xmlns:a16="http://schemas.microsoft.com/office/drawing/2014/main" xmlns="" val="10000"/>
                   </a:ext>
                 </a:extLst>
               </a:tr>
@@ -28497,7 +28605,7 @@
                         <a:tabLst/>
                       </a:pPr>
                       <a:r>
-                        <a:rPr kumimoji="0" lang="en-US" sz="1400" b="0" i="0" u="none" strike="noStrike" cap="none" normalizeH="0" baseline="0" dirty="0">
+                        <a:rPr kumimoji="0" lang="en-US" sz="1400" b="0" i="0" u="none" strike="noStrike" cap="none" normalizeH="0" baseline="0" dirty="0" smtClean="0">
                           <a:ln>
                             <a:noFill/>
                           </a:ln>
@@ -28579,7 +28687,7 @@
                         <a:tabLst/>
                       </a:pPr>
                       <a:r>
-                        <a:rPr kumimoji="0" lang="en-US" sz="1400" b="0" i="0" u="none" strike="noStrike" cap="none" normalizeH="0" baseline="0" dirty="0">
+                        <a:rPr kumimoji="0" lang="en-US" sz="1400" b="0" i="0" u="none" strike="noStrike" cap="none" normalizeH="0" baseline="0" dirty="0" smtClean="0">
                           <a:ln>
                             <a:noFill/>
                           </a:ln>
@@ -28661,7 +28769,7 @@
                         <a:tabLst/>
                       </a:pPr>
                       <a:r>
-                        <a:rPr kumimoji="0" lang="en-US" sz="1400" b="0" i="0" u="none" strike="noStrike" cap="none" normalizeH="0" baseline="0" dirty="0">
+                        <a:rPr kumimoji="0" lang="en-US" sz="1400" b="0" i="0" u="none" strike="noStrike" cap="none" normalizeH="0" baseline="0" dirty="0" smtClean="0">
                           <a:ln>
                             <a:noFill/>
                           </a:ln>
@@ -28743,7 +28851,7 @@
                         <a:tabLst/>
                       </a:pPr>
                       <a:r>
-                        <a:rPr kumimoji="0" lang="en-US" sz="1400" b="0" i="0" u="none" strike="noStrike" cap="none" normalizeH="0" baseline="0" dirty="0">
+                        <a:rPr kumimoji="0" lang="en-US" sz="1400" b="0" i="0" u="none" strike="noStrike" cap="none" normalizeH="0" baseline="0" dirty="0" smtClean="0">
                           <a:ln>
                             <a:noFill/>
                           </a:ln>
@@ -28805,7 +28913,7 @@
                 </a:tc>
                 <a:extLst>
                   <a:ext uri="{0D108BD9-81ED-4DB2-BD59-A6C34878D82A}">
-                    <a16:rowId xmlns:a16="http://schemas.microsoft.com/office/drawing/2014/main" val="10001"/>
+                    <a16:rowId xmlns:a16="http://schemas.microsoft.com/office/drawing/2014/main" xmlns="" val="10001"/>
                   </a:ext>
                 </a:extLst>
               </a:tr>
@@ -28832,7 +28940,7 @@
                         <a:tabLst/>
                       </a:pPr>
                       <a:r>
-                        <a:rPr kumimoji="0" lang="en-US" sz="1400" b="0" i="0" u="none" strike="noStrike" cap="none" normalizeH="0" baseline="0" dirty="0">
+                        <a:rPr kumimoji="0" lang="en-US" sz="1400" b="0" i="0" u="none" strike="noStrike" cap="none" normalizeH="0" baseline="0" dirty="0" smtClean="0">
                           <a:ln>
                             <a:noFill/>
                           </a:ln>
@@ -28914,7 +29022,7 @@
                         <a:tabLst/>
                       </a:pPr>
                       <a:r>
-                        <a:rPr kumimoji="0" lang="en-US" sz="1400" b="0" i="0" u="none" strike="noStrike" cap="none" normalizeH="0" baseline="0" dirty="0">
+                        <a:rPr kumimoji="0" lang="en-US" sz="1400" b="0" i="0" u="none" strike="noStrike" cap="none" normalizeH="0" baseline="0" dirty="0" smtClean="0">
                           <a:ln>
                             <a:noFill/>
                           </a:ln>
@@ -28996,7 +29104,7 @@
                         <a:tabLst/>
                       </a:pPr>
                       <a:r>
-                        <a:rPr kumimoji="0" lang="en-US" sz="1400" b="0" i="0" u="none" strike="noStrike" cap="none" normalizeH="0" baseline="0" dirty="0">
+                        <a:rPr kumimoji="0" lang="en-US" sz="1400" b="0" i="0" u="none" strike="noStrike" cap="none" normalizeH="0" baseline="0" dirty="0" smtClean="0">
                           <a:ln>
                             <a:noFill/>
                           </a:ln>
@@ -29078,7 +29186,7 @@
                         <a:tabLst/>
                       </a:pPr>
                       <a:r>
-                        <a:rPr kumimoji="0" lang="en-US" sz="1400" b="0" i="0" u="none" strike="noStrike" cap="none" normalizeH="0" baseline="0" dirty="0">
+                        <a:rPr kumimoji="0" lang="en-US" sz="1400" b="0" i="0" u="none" strike="noStrike" cap="none" normalizeH="0" baseline="0" dirty="0" smtClean="0">
                           <a:ln>
                             <a:noFill/>
                           </a:ln>
@@ -29140,7 +29248,7 @@
                 </a:tc>
                 <a:extLst>
                   <a:ext uri="{0D108BD9-81ED-4DB2-BD59-A6C34878D82A}">
-                    <a16:rowId xmlns:a16="http://schemas.microsoft.com/office/drawing/2014/main" val="10002"/>
+                    <a16:rowId xmlns:a16="http://schemas.microsoft.com/office/drawing/2014/main" xmlns="" val="10002"/>
                   </a:ext>
                 </a:extLst>
               </a:tr>
@@ -29167,7 +29275,7 @@
                         <a:tabLst/>
                       </a:pPr>
                       <a:r>
-                        <a:rPr kumimoji="0" lang="en-US" sz="1400" b="0" i="0" u="none" strike="noStrike" cap="none" normalizeH="0" baseline="0" dirty="0">
+                        <a:rPr kumimoji="0" lang="en-US" sz="1400" b="0" i="0" u="none" strike="noStrike" cap="none" normalizeH="0" baseline="0" dirty="0" smtClean="0">
                           <a:ln>
                             <a:noFill/>
                           </a:ln>
@@ -29249,7 +29357,7 @@
                         <a:tabLst/>
                       </a:pPr>
                       <a:r>
-                        <a:rPr kumimoji="0" lang="en-US" sz="1400" b="0" i="0" u="none" strike="noStrike" cap="none" normalizeH="0" baseline="0" dirty="0">
+                        <a:rPr kumimoji="0" lang="en-US" sz="1400" b="0" i="0" u="none" strike="noStrike" cap="none" normalizeH="0" baseline="0" dirty="0" smtClean="0">
                           <a:ln>
                             <a:noFill/>
                           </a:ln>
@@ -29331,7 +29439,7 @@
                         <a:tabLst/>
                       </a:pPr>
                       <a:r>
-                        <a:rPr kumimoji="0" lang="en-US" sz="1400" b="0" i="0" u="none" strike="noStrike" cap="none" normalizeH="0" baseline="0" dirty="0">
+                        <a:rPr kumimoji="0" lang="en-US" sz="1400" b="0" i="0" u="none" strike="noStrike" cap="none" normalizeH="0" baseline="0" dirty="0" smtClean="0">
                           <a:ln>
                             <a:noFill/>
                           </a:ln>
@@ -29413,7 +29521,7 @@
                         <a:tabLst/>
                       </a:pPr>
                       <a:r>
-                        <a:rPr kumimoji="0" lang="en-US" sz="1400" b="0" i="0" u="none" strike="noStrike" cap="none" normalizeH="0" baseline="0" dirty="0">
+                        <a:rPr kumimoji="0" lang="en-US" sz="1400" b="0" i="0" u="none" strike="noStrike" cap="none" normalizeH="0" baseline="0" dirty="0" smtClean="0">
                           <a:ln>
                             <a:noFill/>
                           </a:ln>
@@ -29475,7 +29583,7 @@
                 </a:tc>
                 <a:extLst>
                   <a:ext uri="{0D108BD9-81ED-4DB2-BD59-A6C34878D82A}">
-                    <a16:rowId xmlns:a16="http://schemas.microsoft.com/office/drawing/2014/main" val="10003"/>
+                    <a16:rowId xmlns:a16="http://schemas.microsoft.com/office/drawing/2014/main" xmlns="" val="10003"/>
                   </a:ext>
                 </a:extLst>
               </a:tr>
@@ -29502,7 +29610,7 @@
                         <a:tabLst/>
                       </a:pPr>
                       <a:r>
-                        <a:rPr kumimoji="0" lang="en-US" sz="1400" b="0" i="0" u="none" strike="noStrike" cap="none" normalizeH="0" baseline="0" dirty="0">
+                        <a:rPr kumimoji="0" lang="en-US" sz="1400" b="0" i="0" u="none" strike="noStrike" cap="none" normalizeH="0" baseline="0" dirty="0" smtClean="0">
                           <a:ln>
                             <a:noFill/>
                           </a:ln>
@@ -29584,7 +29692,7 @@
                         <a:tabLst/>
                       </a:pPr>
                       <a:r>
-                        <a:rPr kumimoji="0" lang="en-US" sz="1400" b="0" i="0" u="none" strike="noStrike" cap="none" normalizeH="0" baseline="0" dirty="0">
+                        <a:rPr kumimoji="0" lang="en-US" sz="1400" b="0" i="0" u="none" strike="noStrike" cap="none" normalizeH="0" baseline="0" dirty="0" smtClean="0">
                           <a:ln>
                             <a:noFill/>
                           </a:ln>
@@ -29666,7 +29774,7 @@
                         <a:tabLst/>
                       </a:pPr>
                       <a:r>
-                        <a:rPr kumimoji="0" lang="en-US" sz="1400" b="0" i="0" u="none" strike="noStrike" cap="none" normalizeH="0" baseline="0" dirty="0">
+                        <a:rPr kumimoji="0" lang="en-US" sz="1400" b="0" i="0" u="none" strike="noStrike" cap="none" normalizeH="0" baseline="0" dirty="0" smtClean="0">
                           <a:ln>
                             <a:noFill/>
                           </a:ln>
@@ -29748,7 +29856,7 @@
                         <a:tabLst/>
                       </a:pPr>
                       <a:r>
-                        <a:rPr kumimoji="0" lang="en-US" sz="1400" b="0" i="0" u="none" strike="noStrike" cap="none" normalizeH="0" baseline="0" dirty="0">
+                        <a:rPr kumimoji="0" lang="en-US" sz="1400" b="0" i="0" u="none" strike="noStrike" cap="none" normalizeH="0" baseline="0" dirty="0" smtClean="0">
                           <a:ln>
                             <a:noFill/>
                           </a:ln>
@@ -29810,7 +29918,7 @@
                 </a:tc>
                 <a:extLst>
                   <a:ext uri="{0D108BD9-81ED-4DB2-BD59-A6C34878D82A}">
-                    <a16:rowId xmlns:a16="http://schemas.microsoft.com/office/drawing/2014/main" val="10004"/>
+                    <a16:rowId xmlns:a16="http://schemas.microsoft.com/office/drawing/2014/main" xmlns="" val="10004"/>
                   </a:ext>
                 </a:extLst>
               </a:tr>
@@ -29837,7 +29945,7 @@
                         <a:tabLst/>
                       </a:pPr>
                       <a:r>
-                        <a:rPr kumimoji="0" lang="en-US" sz="1400" b="0" i="0" u="none" strike="noStrike" cap="none" normalizeH="0" baseline="0" dirty="0">
+                        <a:rPr kumimoji="0" lang="en-US" sz="1400" b="0" i="0" u="none" strike="noStrike" cap="none" normalizeH="0" baseline="0" dirty="0" smtClean="0">
                           <a:ln>
                             <a:noFill/>
                           </a:ln>
@@ -29919,7 +30027,7 @@
                         <a:tabLst/>
                       </a:pPr>
                       <a:r>
-                        <a:rPr kumimoji="0" lang="en-US" sz="1400" b="0" i="0" u="none" strike="noStrike" cap="none" normalizeH="0" baseline="0" dirty="0">
+                        <a:rPr kumimoji="0" lang="en-US" sz="1400" b="0" i="0" u="none" strike="noStrike" cap="none" normalizeH="0" baseline="0" dirty="0" smtClean="0">
                           <a:ln>
                             <a:noFill/>
                           </a:ln>
@@ -30001,7 +30109,7 @@
                         <a:tabLst/>
                       </a:pPr>
                       <a:r>
-                        <a:rPr kumimoji="0" lang="en-US" sz="1400" b="0" i="0" u="none" strike="noStrike" cap="none" normalizeH="0" baseline="0" dirty="0">
+                        <a:rPr kumimoji="0" lang="en-US" sz="1400" b="0" i="0" u="none" strike="noStrike" cap="none" normalizeH="0" baseline="0" dirty="0" smtClean="0">
                           <a:ln>
                             <a:noFill/>
                           </a:ln>
@@ -30083,7 +30191,7 @@
                         <a:tabLst/>
                       </a:pPr>
                       <a:r>
-                        <a:rPr kumimoji="0" lang="en-US" sz="1400" b="0" i="0" u="none" strike="noStrike" cap="none" normalizeH="0" baseline="0" dirty="0">
+                        <a:rPr kumimoji="0" lang="en-US" sz="1400" b="0" i="0" u="none" strike="noStrike" cap="none" normalizeH="0" baseline="0" dirty="0" smtClean="0">
                           <a:ln>
                             <a:noFill/>
                           </a:ln>
@@ -30145,7 +30253,7 @@
                 </a:tc>
                 <a:extLst>
                   <a:ext uri="{0D108BD9-81ED-4DB2-BD59-A6C34878D82A}">
-                    <a16:rowId xmlns:a16="http://schemas.microsoft.com/office/drawing/2014/main" val="10005"/>
+                    <a16:rowId xmlns:a16="http://schemas.microsoft.com/office/drawing/2014/main" xmlns="" val="10005"/>
                   </a:ext>
                 </a:extLst>
               </a:tr>
@@ -30172,7 +30280,7 @@
                         <a:tabLst/>
                       </a:pPr>
                       <a:r>
-                        <a:rPr kumimoji="0" lang="en-US" sz="1400" b="0" i="0" u="none" strike="noStrike" cap="none" normalizeH="0" baseline="0" dirty="0">
+                        <a:rPr kumimoji="0" lang="en-US" sz="1400" b="0" i="0" u="none" strike="noStrike" cap="none" normalizeH="0" baseline="0" dirty="0" smtClean="0">
                           <a:ln>
                             <a:noFill/>
                           </a:ln>
@@ -30254,7 +30362,7 @@
                         <a:tabLst/>
                       </a:pPr>
                       <a:r>
-                        <a:rPr kumimoji="0" lang="en-US" sz="1400" b="0" i="0" u="none" strike="noStrike" cap="none" normalizeH="0" baseline="0" dirty="0">
+                        <a:rPr kumimoji="0" lang="en-US" sz="1400" b="0" i="0" u="none" strike="noStrike" cap="none" normalizeH="0" baseline="0" dirty="0" smtClean="0">
                           <a:ln>
                             <a:noFill/>
                           </a:ln>
@@ -30336,7 +30444,7 @@
                         <a:tabLst/>
                       </a:pPr>
                       <a:r>
-                        <a:rPr kumimoji="0" lang="en-US" sz="1400" b="0" i="0" u="none" strike="noStrike" cap="none" normalizeH="0" baseline="0" dirty="0">
+                        <a:rPr kumimoji="0" lang="en-US" sz="1400" b="0" i="0" u="none" strike="noStrike" cap="none" normalizeH="0" baseline="0" dirty="0" smtClean="0">
                           <a:ln>
                             <a:noFill/>
                           </a:ln>
@@ -30418,7 +30526,7 @@
                         <a:tabLst/>
                       </a:pPr>
                       <a:r>
-                        <a:rPr kumimoji="0" lang="en-US" sz="1400" b="0" i="0" u="none" strike="noStrike" cap="none" normalizeH="0" baseline="0" dirty="0">
+                        <a:rPr kumimoji="0" lang="en-US" sz="1400" b="0" i="0" u="none" strike="noStrike" cap="none" normalizeH="0" baseline="0" dirty="0" smtClean="0">
                           <a:ln>
                             <a:noFill/>
                           </a:ln>
@@ -30480,7 +30588,7 @@
                 </a:tc>
                 <a:extLst>
                   <a:ext uri="{0D108BD9-81ED-4DB2-BD59-A6C34878D82A}">
-                    <a16:rowId xmlns:a16="http://schemas.microsoft.com/office/drawing/2014/main" val="10006"/>
+                    <a16:rowId xmlns:a16="http://schemas.microsoft.com/office/drawing/2014/main" xmlns="" val="10006"/>
                   </a:ext>
                 </a:extLst>
               </a:tr>
@@ -30510,7 +30618,7 @@
           <a:graphicData uri="http://schemas.openxmlformats.org/presentationml/2006/ole">
             <mc:AlternateContent xmlns:mc="http://schemas.openxmlformats.org/markup-compatibility/2006">
               <mc:Choice xmlns:v="urn:schemas-microsoft-com:vml" Requires="v">
-                <p:oleObj spid="_x0000_s54302" name="Equation" r:id="rId3" imgW="533169" imgH="203112" progId="Equation.3">
+                <p:oleObj spid="_x0000_s54304" name="Equation" r:id="rId3" imgW="533169" imgH="203112" progId="Equation.3">
                   <p:embed/>
                 </p:oleObj>
               </mc:Choice>
@@ -30897,7 +31005,7 @@
           <a:lstStyle/>
           <a:p>
             <a:r>
-              <a:rPr lang="en-US" dirty="0"/>
+              <a:rPr lang="en-US" dirty="0" smtClean="0"/>
               <a:t>How to Find the Linear Boundary?</a:t>
             </a:r>
           </a:p>
@@ -30953,9 +31061,10 @@
               </a:lnSpc>
             </a:pPr>
             <a:r>
-              <a:rPr lang="en-US" dirty="0"/>
+              <a:rPr lang="en-US" dirty="0" smtClean="0"/>
               <a:t>E.g., Perceptron</a:t>
             </a:r>
+            <a:endParaRPr lang="en-US" dirty="0"/>
           </a:p>
           <a:p>
             <a:pPr>
@@ -30964,8 +31073,12 @@
               </a:lnSpc>
             </a:pPr>
             <a:r>
+              <a:rPr lang="en-US" sz="2400" dirty="0" smtClean="0"/>
+              <a:t>Problem</a:t>
+            </a:r>
+            <a:r>
               <a:rPr lang="en-US" sz="2400" dirty="0"/>
-              <a:t>Problem:</a:t>
+              <a:t>:</a:t>
             </a:r>
           </a:p>
           <a:p>
@@ -31984,13 +32097,18 @@
             <a:lstStyle/>
             <a:p>
               <a:r>
-                <a:rPr lang="en-US" dirty="0">
+                <a:rPr lang="en-US" dirty="0" smtClean="0">
                   <a:solidFill>
                     <a:prstClr val="black"/>
                   </a:solidFill>
                 </a:rPr>
                 <a:t>-</a:t>
               </a:r>
+              <a:endParaRPr lang="en-US" dirty="0">
+                <a:solidFill>
+                  <a:prstClr val="black"/>
+                </a:solidFill>
+              </a:endParaRPr>
             </a:p>
           </p:txBody>
         </p:sp>
@@ -32031,13 +32149,18 @@
               <a:lstStyle/>
               <a:p>
                 <a:r>
-                  <a:rPr lang="en-US" dirty="0">
+                  <a:rPr lang="en-US" dirty="0" smtClean="0">
                     <a:solidFill>
                       <a:prstClr val="black"/>
                     </a:solidFill>
                   </a:rPr>
                   <a:t>-</a:t>
                 </a:r>
+                <a:endParaRPr lang="en-US" dirty="0">
+                  <a:solidFill>
+                    <a:prstClr val="black"/>
+                  </a:solidFill>
+                </a:endParaRPr>
               </a:p>
             </p:txBody>
           </p:sp>
@@ -32064,13 +32187,18 @@
               <a:lstStyle/>
               <a:p>
                 <a:r>
-                  <a:rPr lang="en-US" dirty="0">
+                  <a:rPr lang="en-US" dirty="0" smtClean="0">
                     <a:solidFill>
                       <a:prstClr val="black"/>
                     </a:solidFill>
                   </a:rPr>
                   <a:t>-</a:t>
                 </a:r>
+                <a:endParaRPr lang="en-US" dirty="0">
+                  <a:solidFill>
+                    <a:prstClr val="black"/>
+                  </a:solidFill>
+                </a:endParaRPr>
               </a:p>
             </p:txBody>
           </p:sp>
@@ -32097,13 +32225,18 @@
               <a:lstStyle/>
               <a:p>
                 <a:r>
-                  <a:rPr lang="en-US" dirty="0">
+                  <a:rPr lang="en-US" dirty="0" smtClean="0">
                     <a:solidFill>
                       <a:prstClr val="black"/>
                     </a:solidFill>
                   </a:rPr>
                   <a:t>-</a:t>
                 </a:r>
+                <a:endParaRPr lang="en-US" dirty="0">
+                  <a:solidFill>
+                    <a:prstClr val="black"/>
+                  </a:solidFill>
+                </a:endParaRPr>
               </a:p>
             </p:txBody>
           </p:sp>
@@ -32130,13 +32263,18 @@
               <a:lstStyle/>
               <a:p>
                 <a:r>
-                  <a:rPr lang="en-US" dirty="0">
+                  <a:rPr lang="en-US" dirty="0" smtClean="0">
                     <a:solidFill>
                       <a:prstClr val="black"/>
                     </a:solidFill>
                   </a:rPr>
                   <a:t>-</a:t>
                 </a:r>
+                <a:endParaRPr lang="en-US" dirty="0">
+                  <a:solidFill>
+                    <a:prstClr val="black"/>
+                  </a:solidFill>
+                </a:endParaRPr>
               </a:p>
             </p:txBody>
           </p:sp>
@@ -32163,13 +32301,18 @@
               <a:lstStyle/>
               <a:p>
                 <a:r>
-                  <a:rPr lang="en-US" dirty="0">
+                  <a:rPr lang="en-US" dirty="0" smtClean="0">
                     <a:solidFill>
                       <a:prstClr val="black"/>
                     </a:solidFill>
                   </a:rPr>
                   <a:t>-</a:t>
                 </a:r>
+                <a:endParaRPr lang="en-US" dirty="0">
+                  <a:solidFill>
+                    <a:prstClr val="black"/>
+                  </a:solidFill>
+                </a:endParaRPr>
               </a:p>
             </p:txBody>
           </p:sp>
@@ -32196,13 +32339,18 @@
               <a:lstStyle/>
               <a:p>
                 <a:r>
-                  <a:rPr lang="en-US" dirty="0">
+                  <a:rPr lang="en-US" dirty="0" smtClean="0">
                     <a:solidFill>
                       <a:prstClr val="black"/>
                     </a:solidFill>
                   </a:rPr>
                   <a:t>-</a:t>
                 </a:r>
+                <a:endParaRPr lang="en-US" dirty="0">
+                  <a:solidFill>
+                    <a:prstClr val="black"/>
+                  </a:solidFill>
+                </a:endParaRPr>
               </a:p>
             </p:txBody>
           </p:sp>
@@ -32229,13 +32377,18 @@
               <a:lstStyle/>
               <a:p>
                 <a:r>
-                  <a:rPr lang="en-US" b="1" dirty="0">
+                  <a:rPr lang="en-US" b="1" dirty="0" smtClean="0">
                     <a:solidFill>
                       <a:prstClr val="black"/>
                     </a:solidFill>
                   </a:rPr>
                   <a:t>-</a:t>
                 </a:r>
+                <a:endParaRPr lang="en-US" b="1" dirty="0">
+                  <a:solidFill>
+                    <a:prstClr val="black"/>
+                  </a:solidFill>
+                </a:endParaRPr>
               </a:p>
             </p:txBody>
           </p:sp>
@@ -32262,13 +32415,18 @@
               <a:lstStyle/>
               <a:p>
                 <a:r>
-                  <a:rPr lang="en-US" dirty="0">
+                  <a:rPr lang="en-US" dirty="0" smtClean="0">
                     <a:solidFill>
                       <a:prstClr val="black"/>
                     </a:solidFill>
                   </a:rPr>
                   <a:t>-</a:t>
                 </a:r>
+                <a:endParaRPr lang="en-US" dirty="0">
+                  <a:solidFill>
+                    <a:prstClr val="black"/>
+                  </a:solidFill>
+                </a:endParaRPr>
               </a:p>
             </p:txBody>
           </p:sp>
@@ -32295,13 +32453,18 @@
               <a:lstStyle/>
               <a:p>
                 <a:r>
-                  <a:rPr lang="en-US" dirty="0">
+                  <a:rPr lang="en-US" dirty="0" smtClean="0">
                     <a:solidFill>
                       <a:prstClr val="black"/>
                     </a:solidFill>
                   </a:rPr>
                   <a:t>-</a:t>
                 </a:r>
+                <a:endParaRPr lang="en-US" dirty="0">
+                  <a:solidFill>
+                    <a:prstClr val="black"/>
+                  </a:solidFill>
+                </a:endParaRPr>
               </a:p>
             </p:txBody>
           </p:sp>
@@ -32328,13 +32491,18 @@
               <a:lstStyle/>
               <a:p>
                 <a:r>
-                  <a:rPr lang="en-US" dirty="0">
+                  <a:rPr lang="en-US" dirty="0" smtClean="0">
                     <a:solidFill>
                       <a:prstClr val="black"/>
                     </a:solidFill>
                   </a:rPr>
                   <a:t>-</a:t>
                 </a:r>
+                <a:endParaRPr lang="en-US" dirty="0">
+                  <a:solidFill>
+                    <a:prstClr val="black"/>
+                  </a:solidFill>
+                </a:endParaRPr>
               </a:p>
             </p:txBody>
           </p:sp>
@@ -32361,13 +32529,18 @@
               <a:lstStyle/>
               <a:p>
                 <a:r>
-                  <a:rPr lang="en-US" dirty="0">
+                  <a:rPr lang="en-US" dirty="0" smtClean="0">
                     <a:solidFill>
                       <a:prstClr val="black"/>
                     </a:solidFill>
                   </a:rPr>
                   <a:t>-</a:t>
                 </a:r>
+                <a:endParaRPr lang="en-US" dirty="0">
+                  <a:solidFill>
+                    <a:prstClr val="black"/>
+                  </a:solidFill>
+                </a:endParaRPr>
               </a:p>
             </p:txBody>
           </p:sp>
@@ -32394,13 +32567,18 @@
               <a:lstStyle/>
               <a:p>
                 <a:r>
-                  <a:rPr lang="en-US" dirty="0">
+                  <a:rPr lang="en-US" dirty="0" smtClean="0">
                     <a:solidFill>
                       <a:prstClr val="black"/>
                     </a:solidFill>
                   </a:rPr>
                   <a:t>-</a:t>
                 </a:r>
+                <a:endParaRPr lang="en-US" dirty="0">
+                  <a:solidFill>
+                    <a:prstClr val="black"/>
+                  </a:solidFill>
+                </a:endParaRPr>
               </a:p>
             </p:txBody>
           </p:sp>
@@ -32427,13 +32605,18 @@
               <a:lstStyle/>
               <a:p>
                 <a:r>
-                  <a:rPr lang="en-US" dirty="0">
+                  <a:rPr lang="en-US" dirty="0" smtClean="0">
                     <a:solidFill>
                       <a:prstClr val="black"/>
                     </a:solidFill>
                   </a:rPr>
                   <a:t>-</a:t>
                 </a:r>
+                <a:endParaRPr lang="en-US" dirty="0">
+                  <a:solidFill>
+                    <a:prstClr val="black"/>
+                  </a:solidFill>
+                </a:endParaRPr>
               </a:p>
             </p:txBody>
           </p:sp>
@@ -32460,13 +32643,18 @@
               <a:lstStyle/>
               <a:p>
                 <a:r>
-                  <a:rPr lang="en-US" dirty="0">
+                  <a:rPr lang="en-US" dirty="0" smtClean="0">
                     <a:solidFill>
                       <a:prstClr val="black"/>
                     </a:solidFill>
                   </a:rPr>
                   <a:t>-</a:t>
                 </a:r>
+                <a:endParaRPr lang="en-US" dirty="0">
+                  <a:solidFill>
+                    <a:prstClr val="black"/>
+                  </a:solidFill>
+                </a:endParaRPr>
               </a:p>
             </p:txBody>
           </p:sp>
@@ -32509,13 +32697,18 @@
             <a:lstStyle/>
             <a:p>
               <a:r>
-                <a:rPr lang="en-US" dirty="0">
+                <a:rPr lang="en-US" dirty="0" smtClean="0">
                   <a:solidFill>
                     <a:prstClr val="black"/>
                   </a:solidFill>
                 </a:rPr>
                 <a:t>+</a:t>
               </a:r>
+              <a:endParaRPr lang="en-US" dirty="0">
+                <a:solidFill>
+                  <a:prstClr val="black"/>
+                </a:solidFill>
+              </a:endParaRPr>
             </a:p>
           </p:txBody>
         </p:sp>
@@ -32542,13 +32735,18 @@
             <a:lstStyle/>
             <a:p>
               <a:r>
-                <a:rPr lang="en-US" dirty="0">
+                <a:rPr lang="en-US" dirty="0" smtClean="0">
                   <a:solidFill>
                     <a:prstClr val="black"/>
                   </a:solidFill>
                 </a:rPr>
                 <a:t>+</a:t>
               </a:r>
+              <a:endParaRPr lang="en-US" dirty="0">
+                <a:solidFill>
+                  <a:prstClr val="black"/>
+                </a:solidFill>
+              </a:endParaRPr>
             </a:p>
           </p:txBody>
         </p:sp>
@@ -32589,13 +32787,18 @@
               <a:lstStyle/>
               <a:p>
                 <a:r>
-                  <a:rPr lang="en-US" dirty="0">
+                  <a:rPr lang="en-US" dirty="0" smtClean="0">
                     <a:solidFill>
                       <a:prstClr val="black"/>
                     </a:solidFill>
                   </a:rPr>
                   <a:t>+</a:t>
                 </a:r>
+                <a:endParaRPr lang="en-US" dirty="0">
+                  <a:solidFill>
+                    <a:prstClr val="black"/>
+                  </a:solidFill>
+                </a:endParaRPr>
               </a:p>
             </p:txBody>
           </p:sp>
@@ -32622,13 +32825,18 @@
               <a:lstStyle/>
               <a:p>
                 <a:r>
-                  <a:rPr lang="en-US" dirty="0">
+                  <a:rPr lang="en-US" dirty="0" smtClean="0">
                     <a:solidFill>
                       <a:prstClr val="black"/>
                     </a:solidFill>
                   </a:rPr>
                   <a:t>+</a:t>
                 </a:r>
+                <a:endParaRPr lang="en-US" dirty="0">
+                  <a:solidFill>
+                    <a:prstClr val="black"/>
+                  </a:solidFill>
+                </a:endParaRPr>
               </a:p>
             </p:txBody>
           </p:sp>
@@ -32655,13 +32863,18 @@
               <a:lstStyle/>
               <a:p>
                 <a:r>
-                  <a:rPr lang="en-US" dirty="0">
+                  <a:rPr lang="en-US" dirty="0" smtClean="0">
                     <a:solidFill>
                       <a:prstClr val="black"/>
                     </a:solidFill>
                   </a:rPr>
                   <a:t>+</a:t>
                 </a:r>
+                <a:endParaRPr lang="en-US" dirty="0">
+                  <a:solidFill>
+                    <a:prstClr val="black"/>
+                  </a:solidFill>
+                </a:endParaRPr>
               </a:p>
             </p:txBody>
           </p:sp>
@@ -32688,13 +32901,18 @@
               <a:lstStyle/>
               <a:p>
                 <a:r>
-                  <a:rPr lang="en-US" dirty="0">
+                  <a:rPr lang="en-US" dirty="0" smtClean="0">
                     <a:solidFill>
                       <a:prstClr val="black"/>
                     </a:solidFill>
                   </a:rPr>
                   <a:t>+</a:t>
                 </a:r>
+                <a:endParaRPr lang="en-US" dirty="0">
+                  <a:solidFill>
+                    <a:prstClr val="black"/>
+                  </a:solidFill>
+                </a:endParaRPr>
               </a:p>
             </p:txBody>
           </p:sp>
@@ -32721,13 +32939,18 @@
               <a:lstStyle/>
               <a:p>
                 <a:r>
-                  <a:rPr lang="en-US" dirty="0">
+                  <a:rPr lang="en-US" dirty="0" smtClean="0">
                     <a:solidFill>
                       <a:prstClr val="black"/>
                     </a:solidFill>
                   </a:rPr>
                   <a:t>+</a:t>
                 </a:r>
+                <a:endParaRPr lang="en-US" dirty="0">
+                  <a:solidFill>
+                    <a:prstClr val="black"/>
+                  </a:solidFill>
+                </a:endParaRPr>
               </a:p>
             </p:txBody>
           </p:sp>
@@ -32754,13 +32977,18 @@
               <a:lstStyle/>
               <a:p>
                 <a:r>
-                  <a:rPr lang="en-US" dirty="0">
+                  <a:rPr lang="en-US" dirty="0" smtClean="0">
                     <a:solidFill>
                       <a:prstClr val="black"/>
                     </a:solidFill>
                   </a:rPr>
                   <a:t>+</a:t>
                 </a:r>
+                <a:endParaRPr lang="en-US" dirty="0">
+                  <a:solidFill>
+                    <a:prstClr val="black"/>
+                  </a:solidFill>
+                </a:endParaRPr>
               </a:p>
             </p:txBody>
           </p:sp>
@@ -32787,13 +33015,18 @@
               <a:lstStyle/>
               <a:p>
                 <a:r>
-                  <a:rPr lang="en-US" dirty="0">
+                  <a:rPr lang="en-US" dirty="0" smtClean="0">
                     <a:solidFill>
                       <a:prstClr val="black"/>
                     </a:solidFill>
                   </a:rPr>
                   <a:t>+</a:t>
                 </a:r>
+                <a:endParaRPr lang="en-US" dirty="0">
+                  <a:solidFill>
+                    <a:prstClr val="black"/>
+                  </a:solidFill>
+                </a:endParaRPr>
               </a:p>
             </p:txBody>
           </p:sp>
@@ -32820,13 +33053,18 @@
               <a:lstStyle/>
               <a:p>
                 <a:r>
-                  <a:rPr lang="en-US" dirty="0">
+                  <a:rPr lang="en-US" dirty="0" smtClean="0">
                     <a:solidFill>
                       <a:prstClr val="black"/>
                     </a:solidFill>
                   </a:rPr>
                   <a:t>+</a:t>
                 </a:r>
+                <a:endParaRPr lang="en-US" dirty="0">
+                  <a:solidFill>
+                    <a:prstClr val="black"/>
+                  </a:solidFill>
+                </a:endParaRPr>
               </a:p>
             </p:txBody>
           </p:sp>
@@ -32853,13 +33091,18 @@
               <a:lstStyle/>
               <a:p>
                 <a:r>
-                  <a:rPr lang="en-US" dirty="0">
+                  <a:rPr lang="en-US" dirty="0" smtClean="0">
                     <a:solidFill>
                       <a:prstClr val="black"/>
                     </a:solidFill>
                   </a:rPr>
                   <a:t>+</a:t>
                 </a:r>
+                <a:endParaRPr lang="en-US" dirty="0">
+                  <a:solidFill>
+                    <a:prstClr val="black"/>
+                  </a:solidFill>
+                </a:endParaRPr>
               </a:p>
             </p:txBody>
           </p:sp>
@@ -32886,13 +33129,18 @@
               <a:lstStyle/>
               <a:p>
                 <a:r>
-                  <a:rPr lang="en-US" dirty="0">
+                  <a:rPr lang="en-US" dirty="0" smtClean="0">
                     <a:solidFill>
                       <a:prstClr val="black"/>
                     </a:solidFill>
                   </a:rPr>
                   <a:t>+</a:t>
                 </a:r>
+                <a:endParaRPr lang="en-US" dirty="0">
+                  <a:solidFill>
+                    <a:prstClr val="black"/>
+                  </a:solidFill>
+                </a:endParaRPr>
               </a:p>
             </p:txBody>
           </p:sp>
@@ -32919,13 +33167,18 @@
               <a:lstStyle/>
               <a:p>
                 <a:r>
-                  <a:rPr lang="en-US" b="1" dirty="0">
+                  <a:rPr lang="en-US" b="1" dirty="0" smtClean="0">
                     <a:solidFill>
                       <a:prstClr val="black"/>
                     </a:solidFill>
                   </a:rPr>
                   <a:t>+</a:t>
                 </a:r>
+                <a:endParaRPr lang="en-US" b="1" dirty="0">
+                  <a:solidFill>
+                    <a:prstClr val="black"/>
+                  </a:solidFill>
+                </a:endParaRPr>
               </a:p>
             </p:txBody>
           </p:sp>
@@ -33060,7 +33313,7 @@
           <a:graphicData uri="http://schemas.openxmlformats.org/presentationml/2006/ole">
             <mc:AlternateContent xmlns:mc="http://schemas.openxmlformats.org/markup-compatibility/2006">
               <mc:Choice xmlns:v="urn:schemas-microsoft-com:vml" Requires="v">
-                <p:oleObj spid="_x0000_s56340" name="Equation" r:id="rId3" imgW="152280" imgH="177480" progId="Equation.3">
+                <p:oleObj spid="_x0000_s56342" name="Equation" r:id="rId3" imgW="152280" imgH="177480" progId="Equation.3">
                   <p:embed/>
                 </p:oleObj>
               </mc:Choice>
@@ -33131,6 +33384,14 @@
   <p:clrMapOvr>
     <a:masterClrMapping/>
   </p:clrMapOvr>
+  <mc:AlternateContent xmlns:mc="http://schemas.openxmlformats.org/markup-compatibility/2006" xmlns:p14="http://schemas.microsoft.com/office/powerpoint/2010/main">
+    <mc:Choice Requires="p14">
+      <p:transition spd="slow" p14:dur="2000"/>
+    </mc:Choice>
+    <mc:Fallback xmlns="">
+      <p:transition spd="slow"/>
+    </mc:Fallback>
+  </mc:AlternateContent>
   <p:timing>
     <p:tnLst>
       <p:par>
@@ -33755,9 +34016,10 @@
           <a:lstStyle/>
           <a:p>
             <a:r>
-              <a:rPr lang="en-US" dirty="0"/>
+              <a:rPr lang="en-US" dirty="0" smtClean="0"/>
               <a:t>General Training Idea</a:t>
             </a:r>
+            <a:endParaRPr lang="en-US" dirty="0"/>
           </a:p>
         </p:txBody>
       </p:sp>
@@ -33777,60 +34039,90 @@
           <a:lstStyle/>
           <a:p>
             <a:r>
-              <a:rPr lang="en-US" dirty="0"/>
+              <a:rPr lang="en-US" dirty="0" smtClean="0"/>
               <a:t>Go through the training data</a:t>
             </a:r>
           </a:p>
           <a:p>
             <a:r>
-              <a:rPr lang="en-US" dirty="0"/>
+              <a:rPr lang="en-US" dirty="0" smtClean="0"/>
               <a:t>Predict the class y (1 or -1)</a:t>
             </a:r>
           </a:p>
           <a:p>
-            <a:r>
-              <a:rPr lang="en-US" dirty="0"/>
-              <a:t>If the prediction is wrong, update w</a:t>
-            </a:r>
+            <a:endParaRPr lang="bg-BG" dirty="0" smtClean="0"/>
           </a:p>
           <a:p>
             <a:r>
-              <a:rPr lang="en-US" dirty="0"/>
-              <a:t>w</a:t>
+              <a:rPr lang="en-US" dirty="0" smtClean="0"/>
+              <a:t>If </a:t>
             </a:r>
             <a:r>
-              <a:rPr lang="en-US" baseline="-25000" dirty="0"/>
-              <a:t>(t+1)</a:t>
+              <a:rPr lang="en-US" dirty="0" smtClean="0"/>
+              <a:t>the prediction is wrong, update </a:t>
             </a:r>
             <a:r>
-              <a:rPr lang="en-US" dirty="0"/>
-              <a:t>=</a:t>
+              <a:rPr lang="el-GR" i="1" dirty="0" smtClean="0"/>
+              <a:t>θ</a:t>
             </a:r>
-            <a:r>
-              <a:rPr lang="en-US" dirty="0" err="1"/>
-              <a:t>w</a:t>
-            </a:r>
-            <a:r>
-              <a:rPr lang="en-US" baseline="-25000" dirty="0" err="1"/>
-              <a:t>t</a:t>
-            </a:r>
-            <a:r>
-              <a:rPr lang="en-US" dirty="0" err="1"/>
-              <a:t>+yx</a:t>
-            </a:r>
-            <a:endParaRPr lang="en-US" dirty="0"/>
+            <a:endParaRPr lang="en-US" i="1" dirty="0" smtClean="0"/>
           </a:p>
           <a:p>
-            <a:r>
-              <a:rPr lang="en-US" dirty="0"/>
-              <a:t>Used in the perceptron</a:t>
-            </a:r>
-          </a:p>
-          <a:p>
+            <a:pPr marL="0" indent="0">
+              <a:buNone/>
+            </a:pPr>
             <a:endParaRPr lang="en-US" dirty="0"/>
           </a:p>
         </p:txBody>
       </p:sp>
+      <p:pic>
+        <p:nvPicPr>
+          <p:cNvPr id="5" name="Picture 4"/>
+          <p:cNvPicPr>
+            <a:picLocks noChangeAspect="1"/>
+          </p:cNvPicPr>
+          <p:nvPr/>
+        </p:nvPicPr>
+        <p:blipFill>
+          <a:blip r:embed="rId2"/>
+          <a:stretch>
+            <a:fillRect/>
+          </a:stretch>
+        </p:blipFill>
+        <p:spPr>
+          <a:xfrm>
+            <a:off x="2576205" y="2405012"/>
+            <a:ext cx="2752725" cy="657225"/>
+          </a:xfrm>
+          <a:prstGeom prst="rect">
+            <a:avLst/>
+          </a:prstGeom>
+        </p:spPr>
+      </p:pic>
+      <p:pic>
+        <p:nvPicPr>
+          <p:cNvPr id="6" name="Picture 5"/>
+          <p:cNvPicPr>
+            <a:picLocks noChangeAspect="1"/>
+          </p:cNvPicPr>
+          <p:nvPr/>
+        </p:nvPicPr>
+        <p:blipFill>
+          <a:blip r:embed="rId3"/>
+          <a:stretch>
+            <a:fillRect/>
+          </a:stretch>
+        </p:blipFill>
+        <p:spPr>
+          <a:xfrm>
+            <a:off x="2452533" y="3334057"/>
+            <a:ext cx="5895975" cy="1581150"/>
+          </a:xfrm>
+          <a:prstGeom prst="rect">
+            <a:avLst/>
+          </a:prstGeom>
+        </p:spPr>
+      </p:pic>
     </p:spTree>
     <p:extLst>
       <p:ext uri="{BB962C8B-B14F-4D97-AF65-F5344CB8AC3E}">
@@ -33841,10 +34133,102 @@
   <p:clrMapOvr>
     <a:masterClrMapping/>
   </p:clrMapOvr>
+  <mc:AlternateContent xmlns:mc="http://schemas.openxmlformats.org/markup-compatibility/2006" xmlns:p14="http://schemas.microsoft.com/office/powerpoint/2010/main">
+    <mc:Choice Requires="p14">
+      <p:transition spd="slow" p14:dur="2000"/>
+    </mc:Choice>
+    <mc:Fallback xmlns="">
+      <p:transition spd="slow"/>
+    </mc:Fallback>
+  </mc:AlternateContent>
+  <p:timing>
+    <p:tnLst>
+      <p:par>
+        <p:cTn id="1" dur="indefinite" restart="never" nodeType="tmRoot"/>
+      </p:par>
+    </p:tnLst>
+  </p:timing>
 </p:sld>
 </file>
 
 <file path=ppt/slides/slide33.xml><?xml version="1.0" encoding="utf-8"?>
+<p:sld xmlns:a="http://schemas.openxmlformats.org/drawingml/2006/main" xmlns:r="http://schemas.openxmlformats.org/officeDocument/2006/relationships" xmlns:p="http://schemas.openxmlformats.org/presentationml/2006/main">
+  <p:cSld>
+    <p:spTree>
+      <p:nvGrpSpPr>
+        <p:cNvPr id="1" name=""/>
+        <p:cNvGrpSpPr/>
+        <p:nvPr/>
+      </p:nvGrpSpPr>
+      <p:grpSpPr>
+        <a:xfrm>
+          <a:off x="0" y="0"/>
+          <a:ext cx="0" cy="0"/>
+          <a:chOff x="0" y="0"/>
+          <a:chExt cx="0" cy="0"/>
+        </a:xfrm>
+      </p:grpSpPr>
+      <p:pic>
+        <p:nvPicPr>
+          <p:cNvPr id="3" name="Picture 2"/>
+          <p:cNvPicPr>
+            <a:picLocks noChangeAspect="1"/>
+          </p:cNvPicPr>
+          <p:nvPr/>
+        </p:nvPicPr>
+        <p:blipFill>
+          <a:blip r:embed="rId2"/>
+          <a:stretch>
+            <a:fillRect/>
+          </a:stretch>
+        </p:blipFill>
+        <p:spPr>
+          <a:xfrm>
+            <a:off x="1909916" y="1063229"/>
+            <a:ext cx="5146880" cy="3945486"/>
+          </a:xfrm>
+          <a:prstGeom prst="rect">
+            <a:avLst/>
+          </a:prstGeom>
+        </p:spPr>
+      </p:pic>
+      <p:sp>
+        <p:nvSpPr>
+          <p:cNvPr id="4" name="Title 3"/>
+          <p:cNvSpPr>
+            <a:spLocks noGrp="1"/>
+          </p:cNvSpPr>
+          <p:nvPr>
+            <p:ph type="title"/>
+          </p:nvPr>
+        </p:nvSpPr>
+        <p:spPr/>
+        <p:txBody>
+          <a:bodyPr/>
+          <a:lstStyle/>
+          <a:p>
+            <a:r>
+              <a:rPr lang="bg-BG" dirty="0" smtClean="0"/>
+              <a:t>Perceptron Algorithm (preview)</a:t>
+            </a:r>
+            <a:endParaRPr lang="en-US" dirty="0"/>
+          </a:p>
+        </p:txBody>
+      </p:sp>
+    </p:spTree>
+    <p:extLst>
+      <p:ext uri="{BB962C8B-B14F-4D97-AF65-F5344CB8AC3E}">
+        <p14:creationId xmlns:p14="http://schemas.microsoft.com/office/powerpoint/2010/main" val="3906638994"/>
+      </p:ext>
+    </p:extLst>
+  </p:cSld>
+  <p:clrMapOvr>
+    <a:masterClrMapping/>
+  </p:clrMapOvr>
+</p:sld>
+</file>
+
+<file path=ppt/slides/slide34.xml><?xml version="1.0" encoding="utf-8"?>
 <p:sld xmlns:a="http://schemas.openxmlformats.org/drawingml/2006/main" xmlns:r="http://schemas.openxmlformats.org/officeDocument/2006/relationships" xmlns:p="http://schemas.openxmlformats.org/presentationml/2006/main">
   <p:cSld>
     <p:spTree>
@@ -34534,7 +34918,7 @@
 </p:sld>
 </file>
 
-<file path=ppt/slides/slide34.xml><?xml version="1.0" encoding="utf-8"?>
+<file path=ppt/slides/slide35.xml><?xml version="1.0" encoding="utf-8"?>
 <p:sld xmlns:a="http://schemas.openxmlformats.org/drawingml/2006/main" xmlns:r="http://schemas.openxmlformats.org/officeDocument/2006/relationships" xmlns:p="http://schemas.openxmlformats.org/presentationml/2006/main">
   <p:cSld>
     <p:spTree>
@@ -34567,9 +34951,10 @@
           <a:lstStyle/>
           <a:p>
             <a:r>
-              <a:rPr lang="en-US" dirty="0"/>
+              <a:rPr lang="en-US" dirty="0" smtClean="0"/>
               <a:t>Example with Interpolation</a:t>
             </a:r>
+            <a:endParaRPr lang="en-US" dirty="0"/>
           </a:p>
         </p:txBody>
       </p:sp>
@@ -35363,7 +35748,144 @@
 </p:sld>
 </file>
 
-<file path=ppt/slides/slide35.xml><?xml version="1.0" encoding="utf-8"?>
+<file path=ppt/slides/slide36.xml><?xml version="1.0" encoding="utf-8"?>
+<p:sld xmlns:a="http://schemas.openxmlformats.org/drawingml/2006/main" xmlns:r="http://schemas.openxmlformats.org/officeDocument/2006/relationships" xmlns:p="http://schemas.openxmlformats.org/presentationml/2006/main">
+  <p:cSld>
+    <p:spTree>
+      <p:nvGrpSpPr>
+        <p:cNvPr id="1" name=""/>
+        <p:cNvGrpSpPr/>
+        <p:nvPr/>
+      </p:nvGrpSpPr>
+      <p:grpSpPr>
+        <a:xfrm>
+          <a:off x="0" y="0"/>
+          <a:ext cx="0" cy="0"/>
+          <a:chOff x="0" y="0"/>
+          <a:chExt cx="0" cy="0"/>
+        </a:xfrm>
+      </p:grpSpPr>
+      <p:sp>
+        <p:nvSpPr>
+          <p:cNvPr id="2" name="Title 1"/>
+          <p:cNvSpPr>
+            <a:spLocks noGrp="1"/>
+          </p:cNvSpPr>
+          <p:nvPr>
+            <p:ph type="title"/>
+          </p:nvPr>
+        </p:nvSpPr>
+        <p:spPr/>
+        <p:txBody>
+          <a:bodyPr/>
+          <a:lstStyle/>
+          <a:p>
+            <a:r>
+              <a:rPr lang="bg-BG" dirty="0" smtClean="0"/>
+              <a:t>Logistic Regression (preview)</a:t>
+            </a:r>
+            <a:endParaRPr lang="en-US" dirty="0"/>
+          </a:p>
+        </p:txBody>
+      </p:sp>
+      <p:pic>
+        <p:nvPicPr>
+          <p:cNvPr id="4" name="Picture 3"/>
+          <p:cNvPicPr>
+            <a:picLocks noChangeAspect="1"/>
+          </p:cNvPicPr>
+          <p:nvPr/>
+        </p:nvPicPr>
+        <p:blipFill>
+          <a:blip r:embed="rId2"/>
+          <a:stretch>
+            <a:fillRect/>
+          </a:stretch>
+        </p:blipFill>
+        <p:spPr>
+          <a:xfrm>
+            <a:off x="575697" y="1149271"/>
+            <a:ext cx="8568303" cy="3334238"/>
+          </a:xfrm>
+          <a:prstGeom prst="rect">
+            <a:avLst/>
+          </a:prstGeom>
+        </p:spPr>
+      </p:pic>
+      <p:sp>
+        <p:nvSpPr>
+          <p:cNvPr id="5" name="TextBox 4"/>
+          <p:cNvSpPr txBox="1"/>
+          <p:nvPr/>
+        </p:nvSpPr>
+        <p:spPr>
+          <a:xfrm>
+            <a:off x="6666271" y="4741606"/>
+            <a:ext cx="1524776" cy="369332"/>
+          </a:xfrm>
+          <a:prstGeom prst="rect">
+            <a:avLst/>
+          </a:prstGeom>
+          <a:noFill/>
+        </p:spPr>
+        <p:txBody>
+          <a:bodyPr wrap="none" rtlCol="0">
+            <a:spAutoFit/>
+          </a:bodyPr>
+          <a:lstStyle/>
+          <a:p>
+            <a:r>
+              <a:rPr lang="bg-BG" dirty="0" smtClean="0"/>
+              <a:t>[Greg Durrett]</a:t>
+            </a:r>
+            <a:endParaRPr lang="en-US" dirty="0"/>
+          </a:p>
+        </p:txBody>
+      </p:sp>
+      <p:sp>
+        <p:nvSpPr>
+          <p:cNvPr id="6" name="TextBox 5"/>
+          <p:cNvSpPr txBox="1"/>
+          <p:nvPr/>
+        </p:nvSpPr>
+        <p:spPr>
+          <a:xfrm>
+            <a:off x="575697" y="4667865"/>
+            <a:ext cx="2409634" cy="369332"/>
+          </a:xfrm>
+          <a:prstGeom prst="rect">
+            <a:avLst/>
+          </a:prstGeom>
+          <a:noFill/>
+        </p:spPr>
+        <p:txBody>
+          <a:bodyPr wrap="none" rtlCol="0">
+            <a:spAutoFit/>
+          </a:bodyPr>
+          <a:lstStyle/>
+          <a:p>
+            <a:r>
+              <a:rPr lang="bg-BG" dirty="0" smtClean="0"/>
+              <a:t>[discriminative method]</a:t>
+            </a:r>
+            <a:endParaRPr lang="en-US" dirty="0"/>
+          </a:p>
+        </p:txBody>
+      </p:sp>
+    </p:spTree>
+    <p:extLst>
+      <p:ext uri="{BB962C8B-B14F-4D97-AF65-F5344CB8AC3E}">
+        <p14:creationId xmlns:p14="http://schemas.microsoft.com/office/powerpoint/2010/main" val="3982644370"/>
+      </p:ext>
+    </p:extLst>
+  </p:cSld>
+  <p:clrMapOvr>
+    <a:masterClrMapping/>
+  </p:clrMapOvr>
+</p:sld>
+</file>
+
+<file path=ppt/slides/slide37.xml><?xml version="1.0" encoding="utf-8"?>
 <p:sld xmlns:a="http://schemas.openxmlformats.org/drawingml/2006/main" xmlns:r="http://schemas.openxmlformats.org/officeDocument/2006/relationships" xmlns:p="http://schemas.openxmlformats.org/presentationml/2006/main">
   <p:cSld>
     <p:spTree>
@@ -35396,9 +35918,18 @@
           <a:lstStyle/>
           <a:p>
             <a:r>
-              <a:rPr lang="en-US" dirty="0"/>
-              <a:t>Naïve Bayes</a:t>
+              <a:rPr lang="en-US" dirty="0" smtClean="0"/>
+              <a:t>Naïve </a:t>
             </a:r>
+            <a:r>
+              <a:rPr lang="en-US" dirty="0" smtClean="0"/>
+              <a:t>Bayes</a:t>
+            </a:r>
+            <a:r>
+              <a:rPr lang="bg-BG" dirty="0" smtClean="0"/>
+              <a:t> (preview)</a:t>
+            </a:r>
+            <a:endParaRPr lang="en-US" dirty="0"/>
           </a:p>
         </p:txBody>
       </p:sp>
@@ -35418,7 +35949,7 @@
           <a:lstStyle/>
           <a:p>
             <a:r>
-              <a:rPr lang="en-US" dirty="0"/>
+              <a:rPr lang="en-US" dirty="0" smtClean="0"/>
               <a:t>Multinomial Naïve Bayes is a linear model</a:t>
             </a:r>
           </a:p>
@@ -35427,27 +35958,31 @@
               <a:buNone/>
             </a:pPr>
             <a:r>
-              <a:rPr lang="en-US" i="1" dirty="0"/>
+              <a:rPr lang="en-US" i="1" dirty="0" smtClean="0"/>
               <a:t>x</a:t>
             </a:r>
             <a:r>
-              <a:rPr lang="en-US" dirty="0"/>
-              <a:t> = 	[1, 				x</a:t>
+              <a:rPr lang="en-US" dirty="0" smtClean="0"/>
+              <a:t> = 	[1, 				</a:t>
             </a:r>
             <a:r>
-              <a:rPr lang="en-US" baseline="-25000" dirty="0"/>
+              <a:rPr lang="en-US" dirty="0"/>
+              <a:t>x</a:t>
+            </a:r>
+            <a:r>
+              <a:rPr lang="en-US" baseline="-25000" dirty="0" smtClean="0"/>
               <a:t>1</a:t>
             </a:r>
             <a:r>
-              <a:rPr lang="en-US" dirty="0"/>
+              <a:rPr lang="en-US" dirty="0" smtClean="0"/>
               <a:t>, 			      x</a:t>
             </a:r>
             <a:r>
-              <a:rPr lang="en-US" baseline="-25000" dirty="0"/>
+              <a:rPr lang="en-US" baseline="-25000" dirty="0" smtClean="0"/>
               <a:t>2</a:t>
             </a:r>
             <a:r>
-              <a:rPr lang="en-US" dirty="0"/>
+              <a:rPr lang="en-US" dirty="0" smtClean="0"/>
               <a:t> 			     …]</a:t>
             </a:r>
           </a:p>
@@ -35456,27 +35991,27 @@
               <a:buNone/>
             </a:pPr>
             <a:r>
-              <a:rPr lang="en-US" i="1" dirty="0"/>
+              <a:rPr lang="en-US" i="1" dirty="0" smtClean="0"/>
               <a:t>w</a:t>
             </a:r>
             <a:r>
-              <a:rPr lang="en-US" dirty="0"/>
+              <a:rPr lang="en-US" dirty="0" smtClean="0"/>
               <a:t> =     [log P(y), 	log P(w</a:t>
             </a:r>
             <a:r>
-              <a:rPr lang="en-US" baseline="-25000" dirty="0"/>
+              <a:rPr lang="en-US" baseline="-25000" dirty="0" smtClean="0"/>
               <a:t>1</a:t>
             </a:r>
             <a:r>
-              <a:rPr lang="en-US" dirty="0"/>
+              <a:rPr lang="en-US" dirty="0" smtClean="0"/>
               <a:t>|y), 	log P(w</a:t>
             </a:r>
             <a:r>
-              <a:rPr lang="en-US" baseline="-25000" dirty="0"/>
+              <a:rPr lang="en-US" baseline="-25000" dirty="0" smtClean="0"/>
               <a:t>2</a:t>
             </a:r>
             <a:r>
-              <a:rPr lang="en-US" dirty="0"/>
+              <a:rPr lang="en-US" dirty="0" smtClean="0"/>
               <a:t>|y)	…]</a:t>
             </a:r>
           </a:p>
@@ -35495,10 +36030,25 @@
   <p:clrMapOvr>
     <a:masterClrMapping/>
   </p:clrMapOvr>
+  <mc:AlternateContent xmlns:mc="http://schemas.openxmlformats.org/markup-compatibility/2006">
+    <mc:Choice xmlns:p14="http://schemas.microsoft.com/office/powerpoint/2010/main" Requires="p14">
+      <p:transition spd="slow" p14:dur="2000"/>
+    </mc:Choice>
+    <mc:Fallback>
+      <p:transition spd="slow"/>
+    </mc:Fallback>
+  </mc:AlternateContent>
+  <p:timing>
+    <p:tnLst>
+      <p:par>
+        <p:cTn id="1" dur="indefinite" restart="never" nodeType="tmRoot"/>
+      </p:par>
+    </p:tnLst>
+  </p:timing>
 </p:sld>
 </file>
 
-<file path=ppt/slides/slide36.xml><?xml version="1.0" encoding="utf-8"?>
+<file path=ppt/slides/slide38.xml><?xml version="1.0" encoding="utf-8"?>
 <p:sld xmlns:a="http://schemas.openxmlformats.org/drawingml/2006/main" xmlns:r="http://schemas.openxmlformats.org/officeDocument/2006/relationships" xmlns:p="http://schemas.openxmlformats.org/presentationml/2006/main">
   <p:cSld>
     <p:spTree>
@@ -35536,11 +36086,14 @@
           <a:lstStyle/>
           <a:p>
             <a:r>
-              <a:rPr lang="en-US" sz="18000" dirty="0">
+              <a:rPr lang="en-US" sz="18000" dirty="0" smtClean="0">
                 <a:latin typeface="Rockwell Extra Bold" panose="02060903040505020403" pitchFamily="18" charset="0"/>
               </a:rPr>
               <a:t>NLP</a:t>
             </a:r>
+            <a:endParaRPr lang="en-US" sz="18000" dirty="0">
+              <a:latin typeface="Rockwell Extra Bold" panose="02060903040505020403" pitchFamily="18" charset="0"/>
+            </a:endParaRPr>
           </a:p>
         </p:txBody>
       </p:sp>
@@ -35554,6 +36107,13 @@
   <p:clrMapOvr>
     <a:masterClrMapping/>
   </p:clrMapOvr>
+  <p:timing>
+    <p:tnLst>
+      <p:par>
+        <p:cTn id="1" dur="indefinite" restart="never" nodeType="tmRoot"/>
+      </p:par>
+    </p:tnLst>
+  </p:timing>
 </p:sld>
 </file>
 
@@ -35590,7 +36150,7 @@
           <a:lstStyle/>
           <a:p>
             <a:r>
-              <a:rPr lang="en-US" dirty="0"/>
+              <a:rPr lang="en-US" dirty="0" smtClean="0"/>
               <a:t>Variants of Problem Formulation</a:t>
             </a:r>
           </a:p>
@@ -35619,48 +36179,48 @@
           <a:lstStyle/>
           <a:p>
             <a:r>
-              <a:rPr lang="en-US" sz="2400" dirty="0"/>
+              <a:rPr lang="en-US" sz="2400" dirty="0" smtClean="0"/>
               <a:t>Binary categorization: only two categories</a:t>
             </a:r>
           </a:p>
           <a:p>
             <a:pPr lvl="1"/>
             <a:r>
-              <a:rPr lang="en-US" sz="2000" dirty="0"/>
+              <a:rPr lang="en-US" sz="2000" dirty="0" smtClean="0"/>
               <a:t>Retrieval: {relevant-doc, irrelevant-doc}</a:t>
             </a:r>
           </a:p>
           <a:p>
             <a:pPr lvl="1"/>
             <a:r>
-              <a:rPr lang="en-US" sz="2000" dirty="0"/>
+              <a:rPr lang="en-US" sz="2000" dirty="0" smtClean="0"/>
               <a:t>Spam filtering: {spam, non-spam}</a:t>
             </a:r>
           </a:p>
           <a:p>
             <a:pPr lvl="1"/>
             <a:r>
-              <a:rPr lang="en-US" sz="2000" dirty="0"/>
+              <a:rPr lang="en-US" sz="2000" dirty="0" smtClean="0"/>
               <a:t>Opinion: {positive, negative}</a:t>
             </a:r>
           </a:p>
           <a:p>
             <a:r>
-              <a:rPr lang="en-US" sz="2400" dirty="0"/>
+              <a:rPr lang="en-US" sz="2400" dirty="0" smtClean="0"/>
               <a:t>K-category categorization: more than two categories</a:t>
             </a:r>
           </a:p>
           <a:p>
             <a:pPr lvl="1"/>
             <a:r>
-              <a:rPr lang="en-US" sz="2000" dirty="0"/>
+              <a:rPr lang="en-US" sz="2000" dirty="0" smtClean="0"/>
               <a:t>Topic categorization: {sports, science, travel, business,…}</a:t>
             </a:r>
           </a:p>
           <a:p>
             <a:pPr lvl="1"/>
             <a:r>
-              <a:rPr lang="en-US" sz="2000" dirty="0"/>
+              <a:rPr lang="en-US" sz="2000" dirty="0" smtClean="0"/>
               <a:t>Word sense disambiguation:{bar1, bar2, bar3, …}</a:t>
             </a:r>
           </a:p>
@@ -35688,6 +36248,13 @@
   <p:clrMapOvr>
     <a:masterClrMapping/>
   </p:clrMapOvr>
+  <p:timing>
+    <p:tnLst>
+      <p:par>
+        <p:cTn id="1" dur="indefinite" restart="never" nodeType="tmRoot"/>
+      </p:par>
+    </p:tnLst>
+  </p:timing>
 </p:sld>
 </file>
 
@@ -35724,9 +36291,10 @@
           <a:lstStyle/>
           <a:p>
             <a:r>
-              <a:rPr lang="en-US" dirty="0"/>
+              <a:rPr lang="en-US" dirty="0" smtClean="0"/>
               <a:t>Hierarchical Classification</a:t>
             </a:r>
+            <a:endParaRPr lang="en-US" dirty="0"/>
           </a:p>
         </p:txBody>
       </p:sp>
@@ -35753,7 +36321,7 @@
           <a:lstStyle/>
           <a:p>
             <a:r>
-              <a:rPr lang="en-US" dirty="0">
+              <a:rPr lang="en-US" dirty="0" smtClean="0">
                 <a:solidFill>
                   <a:prstClr val="black"/>
                 </a:solidFill>
@@ -35761,7 +36329,7 @@
               <a:t>Image from </a:t>
             </a:r>
             <a:r>
-              <a:rPr lang="en-US" dirty="0" err="1">
+              <a:rPr lang="en-US" dirty="0" err="1" smtClean="0">
                 <a:solidFill>
                   <a:prstClr val="black"/>
                 </a:solidFill>
@@ -35769,7 +36337,7 @@
               <a:t>Sch</a:t>
             </a:r>
             <a:r>
-              <a:rPr lang="en-US" dirty="0" err="1">
+              <a:rPr lang="en-US" dirty="0" err="1" smtClean="0">
                 <a:solidFill>
                   <a:prstClr val="black"/>
                 </a:solidFill>
@@ -35778,16 +36346,25 @@
               <a:t>ütze</a:t>
             </a:r>
             <a:r>
+              <a:rPr lang="en-US" dirty="0" smtClean="0">
+                <a:solidFill>
+                  <a:prstClr val="black"/>
+                </a:solidFill>
+                <a:cs typeface="Times New Roman" panose="02020603050405020304" pitchFamily="18" charset="0"/>
+              </a:rPr>
+              <a:t> </a:t>
+            </a:r>
+            <a:r>
               <a:rPr lang="en-US" dirty="0">
                 <a:solidFill>
                   <a:prstClr val="black"/>
                 </a:solidFill>
                 <a:cs typeface="Times New Roman" panose="02020603050405020304" pitchFamily="18" charset="0"/>
               </a:rPr>
-              <a:t> &amp; </a:t>
+              <a:t>&amp; </a:t>
             </a:r>
             <a:r>
-              <a:rPr lang="en-US" dirty="0" err="1">
+              <a:rPr lang="en-US" dirty="0" err="1" smtClean="0">
                 <a:solidFill>
                   <a:prstClr val="black"/>
                 </a:solidFill>
@@ -35843,6 +36420,13 @@
   <p:clrMapOvr>
     <a:masterClrMapping/>
   </p:clrMapOvr>
+  <p:timing>
+    <p:tnLst>
+      <p:par>
+        <p:cTn id="1" dur="indefinite" restart="never" nodeType="tmRoot"/>
+      </p:par>
+    </p:tnLst>
+  </p:timing>
 </p:sld>
 </file>
 
@@ -35879,9 +36463,10 @@
           <a:lstStyle/>
           <a:p>
             <a:r>
-              <a:rPr lang="en-US" dirty="0"/>
+              <a:rPr lang="en-US" dirty="0" smtClean="0"/>
               <a:t>Borges’s Classification</a:t>
             </a:r>
+            <a:endParaRPr lang="en-US" dirty="0"/>
           </a:p>
         </p:txBody>
       </p:sp>
@@ -36146,6 +36731,21 @@
   <p:clrMapOvr>
     <a:masterClrMapping/>
   </p:clrMapOvr>
+  <mc:AlternateContent xmlns:mc="http://schemas.openxmlformats.org/markup-compatibility/2006" xmlns:p14="http://schemas.microsoft.com/office/powerpoint/2010/main">
+    <mc:Choice Requires="p14">
+      <p:transition spd="slow" p14:dur="2000"/>
+    </mc:Choice>
+    <mc:Fallback xmlns="">
+      <p:transition spd="slow"/>
+    </mc:Fallback>
+  </mc:AlternateContent>
+  <p:timing>
+    <p:tnLst>
+      <p:par>
+        <p:cTn id="1" dur="indefinite" restart="never" nodeType="tmRoot"/>
+      </p:par>
+    </p:tnLst>
+  </p:timing>
 </p:sld>
 </file>
 
@@ -36182,7 +36782,7 @@
           <a:lstStyle/>
           <a:p>
             <a:r>
-              <a:rPr lang="en-US" sz="3600" dirty="0"/>
+              <a:rPr lang="en-US" sz="3600" dirty="0" smtClean="0"/>
               <a:t>Hand-coded Rules</a:t>
             </a:r>
           </a:p>
@@ -36211,7 +36811,7 @@
               </a:lnSpc>
             </a:pPr>
             <a:r>
-              <a:rPr lang="en-US" dirty="0"/>
+              <a:rPr lang="en-US" dirty="0" smtClean="0"/>
               <a:t>Rules based on combinations of words or other features</a:t>
             </a:r>
           </a:p>
@@ -36223,7 +36823,11 @@
             </a:pPr>
             <a:r>
               <a:rPr lang="en-US" dirty="0"/>
-              <a:t> spam: black-list-address OR (“dollars” AND “have been selected”)</a:t>
+              <a:t> </a:t>
+            </a:r>
+            <a:r>
+              <a:rPr lang="en-US" dirty="0" smtClean="0"/>
+              <a:t>spam: black-list-address OR (“dollars” AND “have been selected”)</a:t>
             </a:r>
           </a:p>
           <a:p>
@@ -36233,7 +36837,7 @@
               </a:lnSpc>
             </a:pPr>
             <a:r>
-              <a:rPr lang="en-US" dirty="0"/>
+              <a:rPr lang="en-US" dirty="0" smtClean="0"/>
               <a:t>Accuracy can be high</a:t>
             </a:r>
           </a:p>
@@ -36244,7 +36848,7 @@
               </a:lnSpc>
             </a:pPr>
             <a:r>
-              <a:rPr lang="en-US" dirty="0"/>
+              <a:rPr lang="en-US" dirty="0" smtClean="0"/>
               <a:t>If rules carefully refined by expert</a:t>
             </a:r>
           </a:p>
@@ -36255,7 +36859,7 @@
               </a:lnSpc>
             </a:pPr>
             <a:r>
-              <a:rPr lang="en-US" dirty="0"/>
+              <a:rPr lang="en-US" dirty="0" smtClean="0"/>
               <a:t>But building and maintaining these rules is expensive</a:t>
             </a:r>
           </a:p>
@@ -36272,6 +36876,13 @@
     <a:masterClrMapping/>
   </p:clrMapOvr>
   <p:transition/>
+  <p:timing>
+    <p:tnLst>
+      <p:par>
+        <p:cTn id="1" dur="indefinite" restart="never" nodeType="tmRoot"/>
+      </p:par>
+    </p:tnLst>
+  </p:timing>
 </p:sld>
 </file>
 
@@ -36308,9 +36919,10 @@
           <a:lstStyle/>
           <a:p>
             <a:r>
-              <a:rPr lang="en-US" dirty="0"/>
+              <a:rPr lang="en-US" dirty="0" smtClean="0"/>
               <a:t>Mathematical Formulation</a:t>
             </a:r>
+            <a:endParaRPr lang="en-US" dirty="0"/>
           </a:p>
         </p:txBody>
       </p:sp>
@@ -36384,9 +36996,10 @@
           <a:lstStyle/>
           <a:p>
             <a:r>
-              <a:rPr lang="en-US" dirty="0"/>
+              <a:rPr lang="en-US" dirty="0" smtClean="0"/>
               <a:t>Mathematical Formulation</a:t>
             </a:r>
+            <a:endParaRPr lang="en-US" dirty="0"/>
           </a:p>
         </p:txBody>
       </p:sp>
